--- a/A_RSA.pptx
+++ b/A_RSA.pptx
@@ -7,16 +7,10 @@
   <p:sldIdLst>
     <p:sldId id="256" r:id="rId2"/>
     <p:sldId id="257" r:id="rId3"/>
-    <p:sldId id="258" r:id="rId4"/>
-    <p:sldId id="264" r:id="rId5"/>
-    <p:sldId id="265" r:id="rId6"/>
-    <p:sldId id="266" r:id="rId7"/>
-    <p:sldId id="267" r:id="rId8"/>
-    <p:sldId id="268" r:id="rId9"/>
-    <p:sldId id="269" r:id="rId10"/>
-    <p:sldId id="270" r:id="rId11"/>
-    <p:sldId id="271" r:id="rId12"/>
-    <p:sldId id="263" r:id="rId13"/>
+    <p:sldId id="272" r:id="rId4"/>
+    <p:sldId id="273" r:id="rId5"/>
+    <p:sldId id="274" r:id="rId6"/>
+    <p:sldId id="263" r:id="rId7"/>
   </p:sldIdLst>
   <p:sldSz cx="12192000" cy="6858000"/>
   <p:notesSz cx="6858000" cy="9144000"/>
@@ -312,7 +306,7 @@
             <a:fld id="{B61BEF0D-F0BB-DE4B-95CE-6DB70DBA9567}" type="datetimeFigureOut">
               <a:rPr lang="en-US" dirty="0"/>
               <a:pPr/>
-              <a:t>11/6/2018</a:t>
+              <a:t>3/5/2019</a:t>
             </a:fld>
             <a:endParaRPr lang="en-US" dirty="0"/>
           </a:p>
@@ -647,7 +641,7 @@
             <a:fld id="{B61BEF0D-F0BB-DE4B-95CE-6DB70DBA9567}" type="datetimeFigureOut">
               <a:rPr lang="en-US" dirty="0"/>
               <a:pPr/>
-              <a:t>11/6/2018</a:t>
+              <a:t>3/5/2019</a:t>
             </a:fld>
             <a:endParaRPr lang="en-US" dirty="0"/>
           </a:p>
@@ -1045,7 +1039,7 @@
             <a:fld id="{B61BEF0D-F0BB-DE4B-95CE-6DB70DBA9567}" type="datetimeFigureOut">
               <a:rPr lang="en-US" dirty="0"/>
               <a:pPr/>
-              <a:t>11/6/2018</a:t>
+              <a:t>3/5/2019</a:t>
             </a:fld>
             <a:endParaRPr lang="en-US" dirty="0"/>
           </a:p>
@@ -1378,7 +1372,7 @@
             <a:fld id="{B61BEF0D-F0BB-DE4B-95CE-6DB70DBA9567}" type="datetimeFigureOut">
               <a:rPr lang="en-US" dirty="0"/>
               <a:pPr/>
-              <a:t>11/6/2018</a:t>
+              <a:t>3/5/2019</a:t>
             </a:fld>
             <a:endParaRPr lang="en-US" dirty="0"/>
           </a:p>
@@ -1695,7 +1689,7 @@
             <a:fld id="{B61BEF0D-F0BB-DE4B-95CE-6DB70DBA9567}" type="datetimeFigureOut">
               <a:rPr lang="en-US" dirty="0"/>
               <a:pPr/>
-              <a:t>11/6/2018</a:t>
+              <a:t>3/5/2019</a:t>
             </a:fld>
             <a:endParaRPr lang="en-US" dirty="0"/>
           </a:p>
@@ -2088,7 +2082,7 @@
             <a:fld id="{B61BEF0D-F0BB-DE4B-95CE-6DB70DBA9567}" type="datetimeFigureOut">
               <a:rPr lang="en-US" dirty="0"/>
               <a:pPr/>
-              <a:t>11/6/2018</a:t>
+              <a:t>3/5/2019</a:t>
             </a:fld>
             <a:endParaRPr lang="en-US" dirty="0"/>
           </a:p>
@@ -2342,7 +2336,7 @@
             <a:fld id="{B61BEF0D-F0BB-DE4B-95CE-6DB70DBA9567}" type="datetimeFigureOut">
               <a:rPr lang="en-US" dirty="0"/>
               <a:pPr/>
-              <a:t>11/6/2018</a:t>
+              <a:t>3/5/2019</a:t>
             </a:fld>
             <a:endParaRPr lang="en-US" dirty="0"/>
           </a:p>
@@ -2601,7 +2595,7 @@
             <a:fld id="{B61BEF0D-F0BB-DE4B-95CE-6DB70DBA9567}" type="datetimeFigureOut">
               <a:rPr lang="en-US" dirty="0"/>
               <a:pPr/>
-              <a:t>11/6/2018</a:t>
+              <a:t>3/5/2019</a:t>
             </a:fld>
             <a:endParaRPr lang="en-US" dirty="0"/>
           </a:p>
@@ -2860,7 +2854,7 @@
             <a:fld id="{B61BEF0D-F0BB-DE4B-95CE-6DB70DBA9567}" type="datetimeFigureOut">
               <a:rPr lang="en-US" dirty="0"/>
               <a:pPr/>
-              <a:t>11/6/2018</a:t>
+              <a:t>3/5/2019</a:t>
             </a:fld>
             <a:endParaRPr lang="en-US" dirty="0"/>
           </a:p>
@@ -3186,7 +3180,7 @@
             <a:fld id="{B61BEF0D-F0BB-DE4B-95CE-6DB70DBA9567}" type="datetimeFigureOut">
               <a:rPr lang="en-US" dirty="0"/>
               <a:pPr/>
-              <a:t>11/6/2018</a:t>
+              <a:t>3/5/2019</a:t>
             </a:fld>
             <a:endParaRPr lang="en-US" dirty="0"/>
           </a:p>
@@ -3506,7 +3500,7 @@
             <a:fld id="{B61BEF0D-F0BB-DE4B-95CE-6DB70DBA9567}" type="datetimeFigureOut">
               <a:rPr lang="en-US" dirty="0"/>
               <a:pPr/>
-              <a:t>11/6/2018</a:t>
+              <a:t>3/5/2019</a:t>
             </a:fld>
             <a:endParaRPr lang="en-US" dirty="0"/>
           </a:p>
@@ -3960,7 +3954,7 @@
             <a:fld id="{B61BEF0D-F0BB-DE4B-95CE-6DB70DBA9567}" type="datetimeFigureOut">
               <a:rPr lang="en-US" dirty="0"/>
               <a:pPr/>
-              <a:t>11/6/2018</a:t>
+              <a:t>3/5/2019</a:t>
             </a:fld>
             <a:endParaRPr lang="en-US" dirty="0"/>
           </a:p>
@@ -4162,7 +4156,7 @@
             <a:fld id="{B61BEF0D-F0BB-DE4B-95CE-6DB70DBA9567}" type="datetimeFigureOut">
               <a:rPr lang="en-US" dirty="0"/>
               <a:pPr/>
-              <a:t>11/6/2018</a:t>
+              <a:t>3/5/2019</a:t>
             </a:fld>
             <a:endParaRPr lang="en-US" dirty="0"/>
           </a:p>
@@ -4336,7 +4330,7 @@
             <a:fld id="{B61BEF0D-F0BB-DE4B-95CE-6DB70DBA9567}" type="datetimeFigureOut">
               <a:rPr lang="en-US" dirty="0"/>
               <a:pPr/>
-              <a:t>11/6/2018</a:t>
+              <a:t>3/5/2019</a:t>
             </a:fld>
             <a:endParaRPr lang="en-US" dirty="0"/>
           </a:p>
@@ -4666,7 +4660,7 @@
             <a:fld id="{B61BEF0D-F0BB-DE4B-95CE-6DB70DBA9567}" type="datetimeFigureOut">
               <a:rPr lang="en-US" dirty="0"/>
               <a:pPr/>
-              <a:t>11/6/2018</a:t>
+              <a:t>3/5/2019</a:t>
             </a:fld>
             <a:endParaRPr lang="en-US" dirty="0"/>
           </a:p>
@@ -5008,7 +5002,7 @@
             <a:fld id="{B61BEF0D-F0BB-DE4B-95CE-6DB70DBA9567}" type="datetimeFigureOut">
               <a:rPr lang="en-US" dirty="0"/>
               <a:pPr/>
-              <a:t>11/6/2018</a:t>
+              <a:t>3/5/2019</a:t>
             </a:fld>
             <a:endParaRPr lang="en-US" dirty="0"/>
           </a:p>
@@ -7122,7 +7116,7 @@
             <a:fld id="{B61BEF0D-F0BB-DE4B-95CE-6DB70DBA9567}" type="datetimeFigureOut">
               <a:rPr lang="en-US" dirty="0"/>
               <a:pPr/>
-              <a:t>11/6/2018</a:t>
+              <a:t>3/5/2019</a:t>
             </a:fld>
             <a:endParaRPr lang="en-US" dirty="0"/>
           </a:p>
@@ -7717,7 +7711,19 @@
             <a:pPr algn="ctr"/>
             <a:r>
               <a:rPr lang="en-US" altLang="zh-TW" sz="2000" dirty="0"/>
-              <a:t>Date : 11/6</a:t>
+              <a:t>Date </a:t>
+            </a:r>
+            <a:r>
+              <a:rPr lang="en-US" altLang="zh-TW" sz="2000" dirty="0" smtClean="0"/>
+              <a:t>:</a:t>
+            </a:r>
+            <a:r>
+              <a:rPr lang="zh-TW" altLang="en-US" sz="2000" dirty="0" smtClean="0"/>
+              <a:t> </a:t>
+            </a:r>
+            <a:r>
+              <a:rPr lang="en-US" altLang="zh-TW" sz="2000" dirty="0" smtClean="0"/>
+              <a:t>2019/03/05</a:t>
             </a:r>
             <a:endParaRPr lang="zh-TW" altLang="en-US" sz="2000" dirty="0"/>
           </a:p>
@@ -7797,347 +7803,13 @@
   <p:clrMapOvr>
     <a:masterClrMapping/>
   </p:clrMapOvr>
-</p:sld>
-</file>
-
-<file path=ppt/slides/slide10.xml><?xml version="1.0" encoding="utf-8"?>
-<p:sld xmlns:a="http://schemas.openxmlformats.org/drawingml/2006/main" xmlns:r="http://schemas.openxmlformats.org/officeDocument/2006/relationships" xmlns:p="http://schemas.openxmlformats.org/presentationml/2006/main">
-  <p:cSld>
-    <p:spTree>
-      <p:nvGrpSpPr>
-        <p:cNvPr id="1" name=""/>
-        <p:cNvGrpSpPr/>
-        <p:nvPr/>
-      </p:nvGrpSpPr>
-      <p:grpSpPr>
-        <a:xfrm>
-          <a:off x="0" y="0"/>
-          <a:ext cx="0" cy="0"/>
-          <a:chOff x="0" y="0"/>
-          <a:chExt cx="0" cy="0"/>
-        </a:xfrm>
-      </p:grpSpPr>
-      <p:sp>
-        <p:nvSpPr>
-          <p:cNvPr id="2" name="標題 1">
-            <a:extLst>
-              <a:ext uri="{FF2B5EF4-FFF2-40B4-BE49-F238E27FC236}">
-                <a16:creationId xmlns:a16="http://schemas.microsoft.com/office/drawing/2014/main" id="{412859D5-074E-4582-82D7-64A75DC775C8}"/>
-              </a:ext>
-            </a:extLst>
-          </p:cNvPr>
-          <p:cNvSpPr>
-            <a:spLocks noGrp="1"/>
-          </p:cNvSpPr>
-          <p:nvPr>
-            <p:ph type="title"/>
-          </p:nvPr>
-        </p:nvSpPr>
-        <p:spPr>
-          <a:xfrm>
-            <a:off x="2592926" y="624110"/>
-            <a:ext cx="8849658" cy="667795"/>
-          </a:xfrm>
-        </p:spPr>
-        <p:txBody>
-          <a:bodyPr>
-            <a:noAutofit/>
-          </a:bodyPr>
-          <a:lstStyle/>
-          <a:p>
-            <a:r>
-              <a:rPr lang="en-US" altLang="zh-TW" sz="4000" dirty="0"/>
-              <a:t>Performance (Cont’d)</a:t>
-            </a:r>
-          </a:p>
-        </p:txBody>
-      </p:sp>
-      <p:pic>
-        <p:nvPicPr>
-          <p:cNvPr id="7" name="內容版面配置區 6">
-            <a:extLst>
-              <a:ext uri="{FF2B5EF4-FFF2-40B4-BE49-F238E27FC236}">
-                <a16:creationId xmlns:a16="http://schemas.microsoft.com/office/drawing/2014/main" id="{683C0DE5-34F8-4412-AED6-7A41F4A76D8D}"/>
-              </a:ext>
-            </a:extLst>
-          </p:cNvPr>
-          <p:cNvPicPr>
-            <a:picLocks noGrp="1" noChangeAspect="1"/>
-          </p:cNvPicPr>
-          <p:nvPr>
-            <p:ph idx="1"/>
-          </p:nvPr>
-        </p:nvPicPr>
-        <p:blipFill>
-          <a:blip r:embed="rId2"/>
-          <a:stretch>
-            <a:fillRect/>
-          </a:stretch>
-        </p:blipFill>
-        <p:spPr>
-          <a:xfrm>
-            <a:off x="3222800" y="1255471"/>
-            <a:ext cx="5746400" cy="5602529"/>
-          </a:xfrm>
-        </p:spPr>
-      </p:pic>
-    </p:spTree>
-    <p:extLst>
-      <p:ext uri="{BB962C8B-B14F-4D97-AF65-F5344CB8AC3E}">
-        <p14:creationId xmlns:p14="http://schemas.microsoft.com/office/powerpoint/2010/main" val="430421408"/>
-      </p:ext>
-    </p:extLst>
-  </p:cSld>
-  <p:clrMapOvr>
-    <a:masterClrMapping/>
-  </p:clrMapOvr>
-</p:sld>
-</file>
-
-<file path=ppt/slides/slide11.xml><?xml version="1.0" encoding="utf-8"?>
-<p:sld xmlns:a="http://schemas.openxmlformats.org/drawingml/2006/main" xmlns:r="http://schemas.openxmlformats.org/officeDocument/2006/relationships" xmlns:p="http://schemas.openxmlformats.org/presentationml/2006/main">
-  <p:cSld>
-    <p:spTree>
-      <p:nvGrpSpPr>
-        <p:cNvPr id="1" name=""/>
-        <p:cNvGrpSpPr/>
-        <p:nvPr/>
-      </p:nvGrpSpPr>
-      <p:grpSpPr>
-        <a:xfrm>
-          <a:off x="0" y="0"/>
-          <a:ext cx="0" cy="0"/>
-          <a:chOff x="0" y="0"/>
-          <a:chExt cx="0" cy="0"/>
-        </a:xfrm>
-      </p:grpSpPr>
-      <p:sp>
-        <p:nvSpPr>
-          <p:cNvPr id="2" name="標題 1">
-            <a:extLst>
-              <a:ext uri="{FF2B5EF4-FFF2-40B4-BE49-F238E27FC236}">
-                <a16:creationId xmlns:a16="http://schemas.microsoft.com/office/drawing/2014/main" id="{412859D5-074E-4582-82D7-64A75DC775C8}"/>
-              </a:ext>
-            </a:extLst>
-          </p:cNvPr>
-          <p:cNvSpPr>
-            <a:spLocks noGrp="1"/>
-          </p:cNvSpPr>
-          <p:nvPr>
-            <p:ph type="title"/>
-          </p:nvPr>
-        </p:nvSpPr>
-        <p:spPr>
-          <a:xfrm>
-            <a:off x="2592926" y="624110"/>
-            <a:ext cx="8849658" cy="667795"/>
-          </a:xfrm>
-        </p:spPr>
-        <p:txBody>
-          <a:bodyPr>
-            <a:noAutofit/>
-          </a:bodyPr>
-          <a:lstStyle/>
-          <a:p>
-            <a:r>
-              <a:rPr lang="en-US" altLang="zh-TW" sz="4000" dirty="0"/>
-              <a:t>Performance (Cont’d)</a:t>
-            </a:r>
-          </a:p>
-        </p:txBody>
-      </p:sp>
-      <p:pic>
-        <p:nvPicPr>
-          <p:cNvPr id="7" name="內容版面配置區 6">
-            <a:extLst>
-              <a:ext uri="{FF2B5EF4-FFF2-40B4-BE49-F238E27FC236}">
-                <a16:creationId xmlns:a16="http://schemas.microsoft.com/office/drawing/2014/main" id="{6BEDD2E0-85A0-4383-8D66-AA71EA638D35}"/>
-              </a:ext>
-            </a:extLst>
-          </p:cNvPr>
-          <p:cNvPicPr>
-            <a:picLocks noGrp="1" noChangeAspect="1"/>
-          </p:cNvPicPr>
-          <p:nvPr>
-            <p:ph idx="1"/>
-          </p:nvPr>
-        </p:nvPicPr>
-        <p:blipFill>
-          <a:blip r:embed="rId2"/>
-          <a:stretch>
-            <a:fillRect/>
-          </a:stretch>
-        </p:blipFill>
-        <p:spPr>
-          <a:xfrm>
-            <a:off x="2265315" y="1554065"/>
-            <a:ext cx="7661370" cy="4420988"/>
-          </a:xfrm>
-        </p:spPr>
-      </p:pic>
-    </p:spTree>
-    <p:extLst>
-      <p:ext uri="{BB962C8B-B14F-4D97-AF65-F5344CB8AC3E}">
-        <p14:creationId xmlns:p14="http://schemas.microsoft.com/office/powerpoint/2010/main" val="302587202"/>
-      </p:ext>
-    </p:extLst>
-  </p:cSld>
-  <p:clrMapOvr>
-    <a:masterClrMapping/>
-  </p:clrMapOvr>
-</p:sld>
-</file>
-
-<file path=ppt/slides/slide12.xml><?xml version="1.0" encoding="utf-8"?>
-<p:sld xmlns:a="http://schemas.openxmlformats.org/drawingml/2006/main" xmlns:r="http://schemas.openxmlformats.org/officeDocument/2006/relationships" xmlns:p="http://schemas.openxmlformats.org/presentationml/2006/main">
-  <p:cSld>
-    <p:spTree>
-      <p:nvGrpSpPr>
-        <p:cNvPr id="1" name=""/>
-        <p:cNvGrpSpPr/>
-        <p:nvPr/>
-      </p:nvGrpSpPr>
-      <p:grpSpPr>
-        <a:xfrm>
-          <a:off x="0" y="0"/>
-          <a:ext cx="0" cy="0"/>
-          <a:chOff x="0" y="0"/>
-          <a:chExt cx="0" cy="0"/>
-        </a:xfrm>
-      </p:grpSpPr>
-      <p:sp>
-        <p:nvSpPr>
-          <p:cNvPr id="2" name="標題 1">
-            <a:extLst>
-              <a:ext uri="{FF2B5EF4-FFF2-40B4-BE49-F238E27FC236}">
-                <a16:creationId xmlns:a16="http://schemas.microsoft.com/office/drawing/2014/main" id="{B29D5D82-CA7B-42EA-A671-F3E9653436AD}"/>
-              </a:ext>
-            </a:extLst>
-          </p:cNvPr>
-          <p:cNvSpPr>
-            <a:spLocks noGrp="1"/>
-          </p:cNvSpPr>
-          <p:nvPr>
-            <p:ph type="title"/>
-          </p:nvPr>
-        </p:nvSpPr>
-        <p:spPr/>
-        <p:txBody>
-          <a:bodyPr/>
-          <a:lstStyle/>
-          <a:p>
-            <a:r>
-              <a:rPr lang="en-US" altLang="zh-TW" dirty="0"/>
-              <a:t>Reference</a:t>
-            </a:r>
-            <a:br>
-              <a:rPr lang="en-US" altLang="zh-TW" dirty="0"/>
-            </a:br>
-            <a:endParaRPr lang="zh-TW" altLang="en-US" dirty="0"/>
-          </a:p>
-        </p:txBody>
-      </p:sp>
-      <p:sp>
-        <p:nvSpPr>
-          <p:cNvPr id="3" name="內容版面配置區 2">
-            <a:extLst>
-              <a:ext uri="{FF2B5EF4-FFF2-40B4-BE49-F238E27FC236}">
-                <a16:creationId xmlns:a16="http://schemas.microsoft.com/office/drawing/2014/main" id="{C32D36EC-3180-4B0A-9AD9-D1519DAA4499}"/>
-              </a:ext>
-            </a:extLst>
-          </p:cNvPr>
-          <p:cNvSpPr>
-            <a:spLocks noGrp="1"/>
-          </p:cNvSpPr>
-          <p:nvPr>
-            <p:ph idx="1"/>
-          </p:nvPr>
-        </p:nvSpPr>
-        <p:spPr/>
-        <p:txBody>
-          <a:bodyPr/>
-          <a:lstStyle/>
-          <a:p>
-            <a:r>
-              <a:rPr lang="en-US" altLang="zh-TW" dirty="0"/>
-              <a:t>Abdallah </a:t>
-            </a:r>
-            <a:r>
-              <a:rPr lang="en-US" altLang="zh-TW" dirty="0" err="1"/>
-              <a:t>Karakra</a:t>
-            </a:r>
-            <a:r>
-              <a:rPr lang="en-US" altLang="zh-TW" dirty="0"/>
-              <a:t> and Ahmad </a:t>
-            </a:r>
-            <a:r>
-              <a:rPr lang="en-US" altLang="zh-TW" dirty="0" err="1"/>
-              <a:t>Alsadeh</a:t>
-            </a:r>
-            <a:r>
-              <a:rPr lang="en-US" altLang="zh-TW" dirty="0"/>
-              <a:t>, SAI Computing Conference,1016 - 1023, 2016</a:t>
-            </a:r>
-          </a:p>
-          <a:p>
-            <a:r>
-              <a:rPr lang="en-US" altLang="zh-TW" dirty="0"/>
-              <a:t>R. L. </a:t>
-            </a:r>
-            <a:r>
-              <a:rPr lang="en-US" altLang="zh-TW" dirty="0" err="1"/>
-              <a:t>Rivest</a:t>
-            </a:r>
-            <a:r>
-              <a:rPr lang="en-US" altLang="zh-TW" dirty="0"/>
-              <a:t>, A. Shamir, and L. </a:t>
-            </a:r>
-            <a:r>
-              <a:rPr lang="en-US" altLang="zh-TW" dirty="0" err="1"/>
-              <a:t>Adleman</a:t>
-            </a:r>
-            <a:r>
-              <a:rPr lang="en-US" altLang="zh-TW" dirty="0"/>
-              <a:t>, ‘A Method for Obtaining Digital Signatures and Public-Key Cryptosystems’, Communications of the ACM, Vol. 21, No. 2, 120-126, 1978</a:t>
-            </a:r>
-            <a:endParaRPr lang="zh-TW" altLang="en-US" dirty="0"/>
-          </a:p>
-          <a:p>
-            <a:r>
-              <a:rPr lang="en-US" altLang="zh-TW" dirty="0">
-                <a:hlinkClick r:id="rId2"/>
-              </a:rPr>
-              <a:t>[web1]https://en.wikipedia.org/wiki/RSA_(cryptosystem)#Proof_using_Fermat's_little_theorem</a:t>
-            </a:r>
-            <a:endParaRPr lang="en-US" altLang="zh-TW" dirty="0"/>
-          </a:p>
-          <a:p>
-            <a:r>
-              <a:rPr lang="en-US" altLang="zh-TW" dirty="0">
-                <a:hlinkClick r:id="rId3"/>
-              </a:rPr>
-              <a:t>[web2] https://en.wikipedia.org/wiki/Rabin_cryptosystem</a:t>
-            </a:r>
-            <a:endParaRPr lang="en-US" altLang="zh-TW" dirty="0"/>
-          </a:p>
-          <a:p>
-            <a:endParaRPr lang="zh-TW" altLang="en-US" dirty="0"/>
-          </a:p>
-          <a:p>
-            <a:endParaRPr lang="zh-TW" altLang="en-US" dirty="0"/>
-          </a:p>
-        </p:txBody>
-      </p:sp>
-    </p:spTree>
-    <p:extLst>
-      <p:ext uri="{BB962C8B-B14F-4D97-AF65-F5344CB8AC3E}">
-        <p14:creationId xmlns:p14="http://schemas.microsoft.com/office/powerpoint/2010/main" val="840323347"/>
-      </p:ext>
-    </p:extLst>
-  </p:cSld>
-  <p:clrMapOvr>
-    <a:masterClrMapping/>
-  </p:clrMapOvr>
+  <p:timing>
+    <p:tnLst>
+      <p:par>
+        <p:cTn id="1" dur="indefinite" restart="never" nodeType="tmRoot"/>
+      </p:par>
+    </p:tnLst>
+  </p:timing>
 </p:sld>
 </file>
 
@@ -8218,45 +7890,23 @@
           <a:lstStyle/>
           <a:p>
             <a:r>
-              <a:rPr lang="en-US" altLang="zh-TW" sz="2400" dirty="0"/>
-              <a:t>Introduction</a:t>
-            </a:r>
-          </a:p>
-          <a:p>
-            <a:r>
-              <a:rPr lang="en-US" altLang="zh-TW" sz="2400" dirty="0"/>
-              <a:t>RSA Cryptosystem</a:t>
-            </a:r>
-          </a:p>
-          <a:p>
-            <a:r>
-              <a:rPr lang="en-US" altLang="zh-TW" sz="2400" dirty="0"/>
-              <a:t>Rabin Cryptosystem</a:t>
-            </a:r>
-          </a:p>
-          <a:p>
-            <a:r>
-              <a:rPr lang="en-US" altLang="zh-TW" sz="2400" dirty="0"/>
-              <a:t>Huffman Coding</a:t>
-            </a:r>
-          </a:p>
-          <a:p>
-            <a:r>
-              <a:rPr lang="en-US" altLang="zh-TW" sz="2400" dirty="0"/>
+              <a:rPr lang="en-US" altLang="zh-TW" sz="2400" dirty="0" smtClean="0"/>
               <a:t>A-RSA Cryptosystem</a:t>
             </a:r>
           </a:p>
           <a:p>
             <a:r>
-              <a:rPr lang="en-US" altLang="zh-TW" sz="2400" dirty="0"/>
-              <a:t>Performance</a:t>
-            </a:r>
-          </a:p>
-          <a:p>
-            <a:r>
-              <a:rPr lang="en-US" altLang="zh-TW" sz="2400" dirty="0"/>
+              <a:rPr lang="en-US" altLang="zh-TW" sz="2400" dirty="0" smtClean="0"/>
+              <a:t>Modified A-RSA</a:t>
+            </a:r>
+            <a:endParaRPr lang="en-US" altLang="zh-TW" sz="2400" dirty="0"/>
+          </a:p>
+          <a:p>
+            <a:r>
+              <a:rPr lang="en-US" altLang="zh-TW" sz="2400" dirty="0" smtClean="0"/>
               <a:t>Reference</a:t>
             </a:r>
+            <a:endParaRPr lang="en-US" altLang="zh-TW" sz="2400" dirty="0"/>
           </a:p>
         </p:txBody>
       </p:sp>
@@ -8270,6 +7920,13 @@
   <p:clrMapOvr>
     <a:masterClrMapping/>
   </p:clrMapOvr>
+  <p:timing>
+    <p:tnLst>
+      <p:par>
+        <p:cTn id="1" dur="indefinite" restart="never" nodeType="tmRoot"/>
+      </p:par>
+    </p:tnLst>
+  </p:timing>
 </p:sld>
 </file>
 
@@ -8292,54 +7949,12 @@
       </p:grpSpPr>
       <p:sp>
         <p:nvSpPr>
-          <p:cNvPr id="2" name="標題 1">
-            <a:extLst>
-              <a:ext uri="{FF2B5EF4-FFF2-40B4-BE49-F238E27FC236}">
-                <a16:creationId xmlns:a16="http://schemas.microsoft.com/office/drawing/2014/main" id="{412859D5-074E-4582-82D7-64A75DC775C8}"/>
-              </a:ext>
-            </a:extLst>
-          </p:cNvPr>
+          <p:cNvPr id="2" name="標題 1"/>
           <p:cNvSpPr>
             <a:spLocks noGrp="1"/>
           </p:cNvSpPr>
           <p:nvPr>
             <p:ph type="title"/>
-          </p:nvPr>
-        </p:nvSpPr>
-        <p:spPr>
-          <a:xfrm>
-            <a:off x="2592926" y="624110"/>
-            <a:ext cx="8849658" cy="667795"/>
-          </a:xfrm>
-        </p:spPr>
-        <p:txBody>
-          <a:bodyPr>
-            <a:noAutofit/>
-          </a:bodyPr>
-          <a:lstStyle/>
-          <a:p>
-            <a:r>
-              <a:rPr lang="en-US" altLang="zh-TW" sz="4000" dirty="0"/>
-              <a:t>Introduction</a:t>
-            </a:r>
-            <a:endParaRPr lang="zh-TW" altLang="en-US" sz="4000" dirty="0"/>
-          </a:p>
-        </p:txBody>
-      </p:sp>
-      <p:sp>
-        <p:nvSpPr>
-          <p:cNvPr id="3" name="內容版面配置區 2">
-            <a:extLst>
-              <a:ext uri="{FF2B5EF4-FFF2-40B4-BE49-F238E27FC236}">
-                <a16:creationId xmlns:a16="http://schemas.microsoft.com/office/drawing/2014/main" id="{B6420498-1A23-45C6-A96C-0507F8471ABC}"/>
-              </a:ext>
-            </a:extLst>
-          </p:cNvPr>
-          <p:cNvSpPr>
-            <a:spLocks noGrp="1"/>
-          </p:cNvSpPr>
-          <p:nvPr>
-            <p:ph idx="1"/>
           </p:nvPr>
         </p:nvSpPr>
         <p:spPr/>
@@ -8350,40 +7965,138 @@
           <a:lstStyle/>
           <a:p>
             <a:r>
-              <a:rPr lang="en-US" altLang="zh-TW" sz="2400" dirty="0"/>
-              <a:t>Q1: Encrypting the same message by RSA more than once gives the same ciphertext.</a:t>
-            </a:r>
-          </a:p>
-          <a:p>
-            <a:r>
-              <a:rPr lang="en-US" altLang="zh-TW" sz="2400" dirty="0"/>
-              <a:t>A1: Randomization component r.</a:t>
-            </a:r>
-          </a:p>
-          <a:p>
-            <a:r>
-              <a:rPr lang="en-US" altLang="zh-TW" sz="2400" dirty="0"/>
-              <a:t>Q2: RSA is known to be slower than the standards symmetric key encryption.</a:t>
-            </a:r>
-          </a:p>
-          <a:p>
-            <a:r>
-              <a:rPr lang="en-US" altLang="zh-TW" sz="2400" dirty="0"/>
-              <a:t>A2: Huffman coding.</a:t>
-            </a:r>
+              <a:rPr lang="en-US" altLang="zh-TW" sz="4000" dirty="0"/>
+              <a:t>A-RSA Cryptosystem</a:t>
+            </a:r>
+            <a:endParaRPr lang="zh-TW" altLang="en-US" sz="4000" dirty="0"/>
+          </a:p>
+        </p:txBody>
+      </p:sp>
+      <p:sp>
+        <p:nvSpPr>
+          <p:cNvPr id="3" name="內容版面配置區 2"/>
+          <p:cNvSpPr>
+            <a:spLocks noGrp="1"/>
+          </p:cNvSpPr>
+          <p:nvPr>
+            <p:ph idx="1"/>
+          </p:nvPr>
+        </p:nvSpPr>
+        <p:spPr>
+          <a:xfrm>
+            <a:off x="2589212" y="1571105"/>
+            <a:ext cx="8915400" cy="4340117"/>
+          </a:xfrm>
+        </p:spPr>
+        <p:txBody>
+          <a:bodyPr>
+            <a:normAutofit/>
+          </a:bodyPr>
+          <a:lstStyle/>
+          <a:p>
+            <a:r>
+              <a:rPr lang="en-US" altLang="zh-TW" sz="2400" b="1" dirty="0" smtClean="0"/>
+              <a:t>Step 1: Key generation at receiver side</a:t>
+            </a:r>
+          </a:p>
+          <a:p>
+            <a:pPr lvl="1"/>
+            <a:r>
+              <a:rPr lang="en-US" altLang="zh-TW" sz="2200" dirty="0" smtClean="0"/>
+              <a:t>1: Compute RSA key pairs.</a:t>
+            </a:r>
+          </a:p>
+          <a:p>
+            <a:pPr lvl="1"/>
+            <a:r>
+              <a:rPr lang="en-US" altLang="zh-TW" sz="2200" dirty="0" smtClean="0"/>
+              <a:t>2: </a:t>
+            </a:r>
+            <a:r>
+              <a:rPr lang="en-US" altLang="zh-TW" sz="2200" dirty="0"/>
+              <a:t>Compute </a:t>
+            </a:r>
+            <a:r>
+              <a:rPr lang="en-US" altLang="zh-TW" sz="2200" dirty="0" smtClean="0"/>
+              <a:t>Rabin </a:t>
+            </a:r>
+            <a:r>
+              <a:rPr lang="en-US" altLang="zh-TW" sz="2200" dirty="0"/>
+              <a:t>key </a:t>
+            </a:r>
+            <a:r>
+              <a:rPr lang="en-US" altLang="zh-TW" sz="2200" dirty="0" smtClean="0"/>
+              <a:t>pairs.</a:t>
+            </a:r>
+          </a:p>
+          <a:p>
+            <a:r>
+              <a:rPr lang="en-US" altLang="zh-TW" sz="2400" b="1" dirty="0" smtClean="0"/>
+              <a:t>Step 2: Encryption preparation at sender side</a:t>
+            </a:r>
+          </a:p>
+          <a:p>
+            <a:pPr lvl="1"/>
+            <a:r>
+              <a:rPr lang="en-US" altLang="zh-TW" sz="2200" dirty="0" smtClean="0"/>
+              <a:t>1: Generate a set of component </a:t>
+            </a:r>
+            <a:r>
+              <a:rPr lang="en-US" altLang="zh-TW" sz="2200" b="1" i="1" dirty="0" smtClean="0"/>
+              <a:t>r</a:t>
+            </a:r>
+            <a:r>
+              <a:rPr lang="en-US" altLang="zh-TW" sz="2200" dirty="0" smtClean="0"/>
+              <a:t>.</a:t>
+            </a:r>
+          </a:p>
+          <a:p>
+            <a:pPr lvl="1"/>
+            <a:r>
+              <a:rPr lang="en-US" altLang="zh-TW" sz="2200" dirty="0" smtClean="0"/>
+              <a:t>2: Compress message by Huffman code. The outputs are binary file </a:t>
+            </a:r>
+            <a:r>
+              <a:rPr lang="en-US" altLang="zh-TW" sz="2200" b="1" i="1" dirty="0" smtClean="0"/>
+              <a:t>B </a:t>
+            </a:r>
+            <a:r>
+              <a:rPr lang="en-US" altLang="zh-TW" sz="2200" dirty="0" smtClean="0"/>
+              <a:t>and header file </a:t>
+            </a:r>
+            <a:r>
+              <a:rPr lang="en-US" altLang="zh-TW" sz="2200" b="1" i="1" dirty="0" smtClean="0"/>
+              <a:t>H</a:t>
+            </a:r>
+            <a:r>
+              <a:rPr lang="en-US" altLang="zh-TW" sz="2200" dirty="0"/>
+              <a:t>.</a:t>
+            </a:r>
+            <a:endParaRPr lang="en-US" altLang="zh-TW" sz="2200" dirty="0" smtClean="0"/>
+          </a:p>
+          <a:p>
+            <a:pPr lvl="1"/>
+            <a:endParaRPr lang="en-US" altLang="zh-TW" sz="2200" b="1" i="1" dirty="0" smtClean="0"/>
           </a:p>
         </p:txBody>
       </p:sp>
     </p:spTree>
     <p:extLst>
       <p:ext uri="{BB962C8B-B14F-4D97-AF65-F5344CB8AC3E}">
-        <p14:creationId xmlns:p14="http://schemas.microsoft.com/office/powerpoint/2010/main" val="2596427795"/>
+        <p14:creationId xmlns:p14="http://schemas.microsoft.com/office/powerpoint/2010/main" val="2069789470"/>
       </p:ext>
     </p:extLst>
   </p:cSld>
   <p:clrMapOvr>
     <a:masterClrMapping/>
   </p:clrMapOvr>
+  <p:timing>
+    <p:tnLst>
+      <p:par>
+        <p:cTn id="1" dur="indefinite" restart="never" nodeType="tmRoot"/>
+      </p:par>
+    </p:tnLst>
+  </p:timing>
 </p:sld>
 </file>
 
@@ -8406,79 +8119,837 @@
       </p:grpSpPr>
       <p:sp>
         <p:nvSpPr>
-          <p:cNvPr id="2" name="標題 1">
-            <a:extLst>
-              <a:ext uri="{FF2B5EF4-FFF2-40B4-BE49-F238E27FC236}">
-                <a16:creationId xmlns:a16="http://schemas.microsoft.com/office/drawing/2014/main" id="{412859D5-074E-4582-82D7-64A75DC775C8}"/>
-              </a:ext>
-            </a:extLst>
-          </p:cNvPr>
+          <p:cNvPr id="2" name="標題 1"/>
           <p:cNvSpPr>
             <a:spLocks noGrp="1"/>
           </p:cNvSpPr>
           <p:nvPr>
             <p:ph type="title"/>
+          </p:nvPr>
+        </p:nvSpPr>
+        <p:spPr/>
+        <p:txBody>
+          <a:bodyPr>
+            <a:normAutofit/>
+          </a:bodyPr>
+          <a:lstStyle/>
+          <a:p>
+            <a:r>
+              <a:rPr lang="en-US" altLang="zh-TW" sz="4000" dirty="0"/>
+              <a:t>A-RSA </a:t>
+            </a:r>
+            <a:r>
+              <a:rPr lang="en-US" altLang="zh-TW" sz="4000" dirty="0" smtClean="0"/>
+              <a:t>Cryptosystem (Cont’d)</a:t>
+            </a:r>
+            <a:endParaRPr lang="zh-TW" altLang="en-US" sz="4000" dirty="0"/>
+          </a:p>
+        </p:txBody>
+      </p:sp>
+      <p:sp>
+        <p:nvSpPr>
+          <p:cNvPr id="3" name="內容版面配置區 2"/>
+          <p:cNvSpPr>
+            <a:spLocks noGrp="1"/>
+          </p:cNvSpPr>
+          <p:nvPr>
+            <p:ph idx="1"/>
           </p:nvPr>
         </p:nvSpPr>
         <p:spPr>
           <a:xfrm>
-            <a:off x="2592926" y="624110"/>
-            <a:ext cx="8849658" cy="667795"/>
+            <a:off x="2589212" y="1571105"/>
+            <a:ext cx="8915400" cy="5095702"/>
           </a:xfrm>
         </p:spPr>
         <p:txBody>
           <a:bodyPr>
-            <a:noAutofit/>
+            <a:normAutofit/>
           </a:bodyPr>
           <a:lstStyle/>
           <a:p>
             <a:r>
-              <a:rPr lang="en-US" altLang="zh-TW" sz="4000" dirty="0"/>
-              <a:t>RSA Cryptosystem</a:t>
-            </a:r>
-            <a:endParaRPr lang="zh-TW" altLang="en-US" sz="4000" dirty="0"/>
-          </a:p>
-        </p:txBody>
-      </p:sp>
-      <p:pic>
-        <p:nvPicPr>
-          <p:cNvPr id="5" name="內容版面配置區 4">
-            <a:extLst>
-              <a:ext uri="{FF2B5EF4-FFF2-40B4-BE49-F238E27FC236}">
-                <a16:creationId xmlns:a16="http://schemas.microsoft.com/office/drawing/2014/main" id="{1E22927C-4FD7-4D24-96AD-DAACDC83624A}"/>
-              </a:ext>
-            </a:extLst>
-          </p:cNvPr>
-          <p:cNvPicPr>
-            <a:picLocks noGrp="1" noChangeAspect="1"/>
-          </p:cNvPicPr>
-          <p:nvPr>
-            <p:ph idx="1"/>
-          </p:nvPr>
-        </p:nvPicPr>
-        <p:blipFill>
-          <a:blip r:embed="rId2"/>
-          <a:stretch>
-            <a:fillRect/>
-          </a:stretch>
-        </p:blipFill>
+              <a:rPr lang="en-US" altLang="zh-TW" sz="2400" b="1" dirty="0" smtClean="0"/>
+              <a:t>Step 3: Encryption at sender side</a:t>
+            </a:r>
+          </a:p>
+          <a:p>
+            <a:pPr lvl="1"/>
+            <a:r>
+              <a:rPr lang="en-US" altLang="zh-TW" sz="2200" dirty="0" smtClean="0"/>
+              <a:t>1: Encrypt </a:t>
+            </a:r>
+            <a:r>
+              <a:rPr lang="en-US" altLang="zh-TW" sz="2200" b="1" i="1" dirty="0" smtClean="0"/>
+              <a:t>H</a:t>
+            </a:r>
+            <a:r>
+              <a:rPr lang="en-US" altLang="zh-TW" sz="2200" dirty="0" smtClean="0"/>
+              <a:t> by RSA. The output is </a:t>
+            </a:r>
+            <a:r>
+              <a:rPr lang="en-US" altLang="zh-TW" sz="2200" b="1" i="1" dirty="0" smtClean="0"/>
+              <a:t>C</a:t>
+            </a:r>
+            <a:r>
+              <a:rPr lang="en-US" altLang="zh-TW" sz="2200" dirty="0" smtClean="0"/>
+              <a:t>.</a:t>
+            </a:r>
+          </a:p>
+          <a:p>
+            <a:pPr lvl="1"/>
+            <a:r>
+              <a:rPr lang="en-US" altLang="zh-TW" sz="2200" dirty="0" smtClean="0"/>
+              <a:t>2: Blind </a:t>
+            </a:r>
+            <a:r>
+              <a:rPr lang="en-US" altLang="zh-TW" sz="2200" b="1" i="1" dirty="0" smtClean="0"/>
+              <a:t>C</a:t>
+            </a:r>
+            <a:r>
+              <a:rPr lang="en-US" altLang="zh-TW" sz="2200" dirty="0" smtClean="0"/>
+              <a:t> by </a:t>
+            </a:r>
+            <a:r>
+              <a:rPr lang="en-US" altLang="zh-TW" sz="2200" b="1" i="1" dirty="0" smtClean="0"/>
+              <a:t>r</a:t>
+            </a:r>
+            <a:r>
+              <a:rPr lang="en-US" altLang="zh-TW" sz="2200" dirty="0" smtClean="0"/>
+              <a:t>. </a:t>
+            </a:r>
+            <a:r>
+              <a:rPr lang="en-US" altLang="zh-TW" sz="2200" b="1" i="1" dirty="0" smtClean="0"/>
+              <a:t>C’</a:t>
+            </a:r>
+            <a:r>
+              <a:rPr lang="en-US" altLang="zh-TW" sz="2200" dirty="0" smtClean="0"/>
+              <a:t> = </a:t>
+            </a:r>
+            <a:r>
+              <a:rPr lang="en-US" altLang="zh-TW" sz="2200" b="1" i="1" dirty="0" smtClean="0"/>
+              <a:t>C</a:t>
+            </a:r>
+            <a:r>
+              <a:rPr lang="en-US" altLang="zh-TW" sz="2200" dirty="0" smtClean="0"/>
+              <a:t> </a:t>
+            </a:r>
+            <a:r>
+              <a:rPr lang="en-US" altLang="zh-TW" sz="2200" dirty="0" err="1" smtClean="0"/>
+              <a:t>xor</a:t>
+            </a:r>
+            <a:r>
+              <a:rPr lang="en-US" altLang="zh-TW" sz="2200" dirty="0" smtClean="0"/>
+              <a:t> </a:t>
+            </a:r>
+            <a:r>
+              <a:rPr lang="en-US" altLang="zh-TW" sz="2200" b="1" i="1" dirty="0" smtClean="0"/>
+              <a:t>r</a:t>
+            </a:r>
+          </a:p>
+          <a:p>
+            <a:pPr lvl="1"/>
+            <a:r>
+              <a:rPr lang="en-US" altLang="zh-TW" sz="2200" dirty="0" smtClean="0"/>
+              <a:t>3: Blind </a:t>
+            </a:r>
+            <a:r>
+              <a:rPr lang="en-US" altLang="zh-TW" sz="2200" b="1" i="1" dirty="0" smtClean="0"/>
+              <a:t>B</a:t>
+            </a:r>
+            <a:r>
+              <a:rPr lang="en-US" altLang="zh-TW" sz="2200" dirty="0" smtClean="0"/>
+              <a:t> by </a:t>
+            </a:r>
+            <a:r>
+              <a:rPr lang="en-US" altLang="zh-TW" sz="2200" b="1" i="1" dirty="0" smtClean="0"/>
+              <a:t>r</a:t>
+            </a:r>
+            <a:r>
+              <a:rPr lang="en-US" altLang="zh-TW" sz="2200" dirty="0" smtClean="0"/>
+              <a:t>. </a:t>
+            </a:r>
+            <a:r>
+              <a:rPr lang="en-US" altLang="zh-TW" sz="2200" b="1" i="1" dirty="0" smtClean="0"/>
+              <a:t>B’</a:t>
+            </a:r>
+            <a:r>
+              <a:rPr lang="en-US" altLang="zh-TW" sz="2200" dirty="0" smtClean="0"/>
+              <a:t> = </a:t>
+            </a:r>
+            <a:r>
+              <a:rPr lang="en-US" altLang="zh-TW" sz="2200" b="1" i="1" dirty="0" smtClean="0"/>
+              <a:t>B</a:t>
+            </a:r>
+            <a:r>
+              <a:rPr lang="en-US" altLang="zh-TW" sz="2200" dirty="0" smtClean="0"/>
+              <a:t> </a:t>
+            </a:r>
+            <a:r>
+              <a:rPr lang="en-US" altLang="zh-TW" sz="2200" dirty="0" err="1" smtClean="0"/>
+              <a:t>xor</a:t>
+            </a:r>
+            <a:r>
+              <a:rPr lang="en-US" altLang="zh-TW" sz="2200" dirty="0" smtClean="0"/>
+              <a:t> </a:t>
+            </a:r>
+            <a:r>
+              <a:rPr lang="en-US" altLang="zh-TW" sz="2200" b="1" i="1" dirty="0" smtClean="0"/>
+              <a:t>r</a:t>
+            </a:r>
+          </a:p>
+          <a:p>
+            <a:pPr lvl="1"/>
+            <a:r>
+              <a:rPr lang="en-US" altLang="zh-TW" sz="2200" dirty="0" smtClean="0"/>
+              <a:t>4: Encrypt </a:t>
+            </a:r>
+            <a:r>
+              <a:rPr lang="en-US" altLang="zh-TW" sz="2200" b="1" i="1" dirty="0" smtClean="0"/>
+              <a:t>r</a:t>
+            </a:r>
+            <a:r>
+              <a:rPr lang="en-US" altLang="zh-TW" sz="2200" dirty="0" smtClean="0"/>
+              <a:t> by </a:t>
+            </a:r>
+            <a:r>
+              <a:rPr lang="en-US" altLang="zh-TW" sz="2200" dirty="0"/>
+              <a:t>R</a:t>
+            </a:r>
+            <a:r>
+              <a:rPr lang="en-US" altLang="zh-TW" sz="2200" dirty="0" smtClean="0"/>
+              <a:t>abin. The output is </a:t>
+            </a:r>
+            <a:r>
+              <a:rPr lang="en-US" altLang="zh-TW" sz="2200" b="1" i="1" dirty="0" smtClean="0"/>
+              <a:t>r’</a:t>
+            </a:r>
+            <a:r>
+              <a:rPr lang="en-US" altLang="zh-TW" sz="2200" dirty="0" smtClean="0"/>
+              <a:t>.</a:t>
+            </a:r>
+          </a:p>
+          <a:p>
+            <a:r>
+              <a:rPr lang="en-US" altLang="zh-TW" sz="2400" b="1" dirty="0" smtClean="0"/>
+              <a:t>Step 4: Decryption at receiver side</a:t>
+            </a:r>
+          </a:p>
+          <a:p>
+            <a:pPr lvl="1"/>
+            <a:r>
+              <a:rPr lang="en-US" altLang="zh-TW" sz="2200" dirty="0" smtClean="0"/>
+              <a:t>1: Reverse Step 3 to get </a:t>
+            </a:r>
+            <a:r>
+              <a:rPr lang="en-US" altLang="zh-TW" sz="2200" b="1" i="1" dirty="0" smtClean="0"/>
+              <a:t>H</a:t>
+            </a:r>
+            <a:r>
+              <a:rPr lang="en-US" altLang="zh-TW" sz="2200" dirty="0" smtClean="0"/>
+              <a:t> and </a:t>
+            </a:r>
+            <a:r>
+              <a:rPr lang="en-US" altLang="zh-TW" sz="2200" b="1" i="1" dirty="0" smtClean="0"/>
+              <a:t>B</a:t>
+            </a:r>
+            <a:r>
+              <a:rPr lang="en-US" altLang="zh-TW" sz="2200" dirty="0" smtClean="0"/>
+              <a:t>.</a:t>
+            </a:r>
+          </a:p>
+          <a:p>
+            <a:pPr lvl="1"/>
+            <a:r>
+              <a:rPr lang="en-US" altLang="zh-TW" sz="2200" dirty="0" smtClean="0"/>
+              <a:t>2: Reconstruct the message with </a:t>
+            </a:r>
+            <a:r>
+              <a:rPr lang="en-US" altLang="zh-TW" sz="2200" b="1" i="1" dirty="0" smtClean="0"/>
+              <a:t>H</a:t>
+            </a:r>
+            <a:r>
+              <a:rPr lang="en-US" altLang="zh-TW" sz="2200" dirty="0" smtClean="0"/>
+              <a:t> and </a:t>
+            </a:r>
+            <a:r>
+              <a:rPr lang="en-US" altLang="zh-TW" sz="2200" b="1" i="1" dirty="0" smtClean="0"/>
+              <a:t>B</a:t>
+            </a:r>
+            <a:r>
+              <a:rPr lang="en-US" altLang="zh-TW" sz="2200" dirty="0" smtClean="0"/>
+              <a:t>.</a:t>
+            </a:r>
+          </a:p>
+          <a:p>
+            <a:endParaRPr lang="zh-TW" altLang="en-US" sz="2400" dirty="0"/>
+          </a:p>
+        </p:txBody>
+      </p:sp>
+      <p:sp>
+        <p:nvSpPr>
+          <p:cNvPr id="4" name="內容版面配置區 2"/>
+          <p:cNvSpPr txBox="1">
+            <a:spLocks/>
+          </p:cNvSpPr>
+          <p:nvPr/>
+        </p:nvSpPr>
         <p:spPr>
           <a:xfrm>
-            <a:off x="2734316" y="1291905"/>
-            <a:ext cx="6723368" cy="5437739"/>
+            <a:off x="2738841" y="5652655"/>
+            <a:ext cx="7452563" cy="1014152"/>
           </a:xfrm>
+          <a:prstGeom prst="rect">
+            <a:avLst/>
+          </a:prstGeom>
         </p:spPr>
-      </p:pic>
+        <p:txBody>
+          <a:bodyPr vert="horz" lIns="91440" tIns="45720" rIns="91440" bIns="45720" rtlCol="0">
+            <a:normAutofit/>
+          </a:bodyPr>
+          <a:lstStyle>
+            <a:lvl1pPr marL="342900" indent="-342900" algn="l" defTabSz="457200" rtl="0" eaLnBrk="1" latinLnBrk="0" hangingPunct="1">
+              <a:spcBef>
+                <a:spcPts val="1000"/>
+              </a:spcBef>
+              <a:spcAft>
+                <a:spcPts val="0"/>
+              </a:spcAft>
+              <a:buClr>
+                <a:schemeClr val="accent1"/>
+              </a:buClr>
+              <a:buFont typeface="Wingdings 3" charset="2"/>
+              <a:buChar char=""/>
+              <a:defRPr sz="1800" kern="1200">
+                <a:solidFill>
+                  <a:schemeClr val="tx1">
+                    <a:lumMod val="75000"/>
+                    <a:lumOff val="25000"/>
+                  </a:schemeClr>
+                </a:solidFill>
+                <a:latin typeface="+mn-lt"/>
+                <a:ea typeface="+mn-ea"/>
+                <a:cs typeface="+mn-cs"/>
+              </a:defRPr>
+            </a:lvl1pPr>
+            <a:lvl2pPr marL="742950" indent="-285750" algn="l" defTabSz="457200" rtl="0" eaLnBrk="1" latinLnBrk="0" hangingPunct="1">
+              <a:spcBef>
+                <a:spcPts val="1000"/>
+              </a:spcBef>
+              <a:spcAft>
+                <a:spcPts val="0"/>
+              </a:spcAft>
+              <a:buClr>
+                <a:schemeClr val="accent1"/>
+              </a:buClr>
+              <a:buFont typeface="Wingdings 3" charset="2"/>
+              <a:buChar char=""/>
+              <a:defRPr sz="1600" kern="1200">
+                <a:solidFill>
+                  <a:schemeClr val="tx1">
+                    <a:lumMod val="75000"/>
+                    <a:lumOff val="25000"/>
+                  </a:schemeClr>
+                </a:solidFill>
+                <a:latin typeface="+mn-lt"/>
+                <a:ea typeface="+mn-ea"/>
+                <a:cs typeface="+mn-cs"/>
+              </a:defRPr>
+            </a:lvl2pPr>
+            <a:lvl3pPr marL="1143000" indent="-228600" algn="l" defTabSz="457200" rtl="0" eaLnBrk="1" latinLnBrk="0" hangingPunct="1">
+              <a:spcBef>
+                <a:spcPts val="1000"/>
+              </a:spcBef>
+              <a:spcAft>
+                <a:spcPts val="0"/>
+              </a:spcAft>
+              <a:buClr>
+                <a:schemeClr val="accent1"/>
+              </a:buClr>
+              <a:buFont typeface="Wingdings 3" charset="2"/>
+              <a:buChar char=""/>
+              <a:defRPr sz="1400" kern="1200">
+                <a:solidFill>
+                  <a:schemeClr val="tx1">
+                    <a:lumMod val="75000"/>
+                    <a:lumOff val="25000"/>
+                  </a:schemeClr>
+                </a:solidFill>
+                <a:latin typeface="+mn-lt"/>
+                <a:ea typeface="+mn-ea"/>
+                <a:cs typeface="+mn-cs"/>
+              </a:defRPr>
+            </a:lvl3pPr>
+            <a:lvl4pPr marL="1600200" indent="-228600" algn="l" defTabSz="457200" rtl="0" eaLnBrk="1" latinLnBrk="0" hangingPunct="1">
+              <a:spcBef>
+                <a:spcPts val="1000"/>
+              </a:spcBef>
+              <a:spcAft>
+                <a:spcPts val="0"/>
+              </a:spcAft>
+              <a:buClr>
+                <a:schemeClr val="accent1"/>
+              </a:buClr>
+              <a:buFont typeface="Wingdings 3" charset="2"/>
+              <a:buChar char=""/>
+              <a:defRPr sz="1200" kern="1200">
+                <a:solidFill>
+                  <a:schemeClr val="tx1">
+                    <a:lumMod val="75000"/>
+                    <a:lumOff val="25000"/>
+                  </a:schemeClr>
+                </a:solidFill>
+                <a:latin typeface="+mn-lt"/>
+                <a:ea typeface="+mn-ea"/>
+                <a:cs typeface="+mn-cs"/>
+              </a:defRPr>
+            </a:lvl4pPr>
+            <a:lvl5pPr marL="2057400" indent="-228600" algn="l" defTabSz="457200" rtl="0" eaLnBrk="1" latinLnBrk="0" hangingPunct="1">
+              <a:spcBef>
+                <a:spcPts val="1000"/>
+              </a:spcBef>
+              <a:spcAft>
+                <a:spcPts val="0"/>
+              </a:spcAft>
+              <a:buClr>
+                <a:schemeClr val="accent1"/>
+              </a:buClr>
+              <a:buFont typeface="Wingdings 3" charset="2"/>
+              <a:buChar char=""/>
+              <a:defRPr sz="1200" kern="1200">
+                <a:solidFill>
+                  <a:schemeClr val="tx1">
+                    <a:lumMod val="75000"/>
+                    <a:lumOff val="25000"/>
+                  </a:schemeClr>
+                </a:solidFill>
+                <a:latin typeface="+mn-lt"/>
+                <a:ea typeface="+mn-ea"/>
+                <a:cs typeface="+mn-cs"/>
+              </a:defRPr>
+            </a:lvl5pPr>
+            <a:lvl6pPr marL="2514600" indent="-228600" algn="l" defTabSz="457200" rtl="0" eaLnBrk="1" latinLnBrk="0" hangingPunct="1">
+              <a:spcBef>
+                <a:spcPts val="1000"/>
+              </a:spcBef>
+              <a:spcAft>
+                <a:spcPts val="0"/>
+              </a:spcAft>
+              <a:buClr>
+                <a:schemeClr val="accent1"/>
+              </a:buClr>
+              <a:buFont typeface="Wingdings 3" charset="2"/>
+              <a:buChar char=""/>
+              <a:defRPr sz="1200" kern="1200">
+                <a:solidFill>
+                  <a:schemeClr val="tx1">
+                    <a:lumMod val="75000"/>
+                    <a:lumOff val="25000"/>
+                  </a:schemeClr>
+                </a:solidFill>
+                <a:latin typeface="+mn-lt"/>
+                <a:ea typeface="+mn-ea"/>
+                <a:cs typeface="+mn-cs"/>
+              </a:defRPr>
+            </a:lvl6pPr>
+            <a:lvl7pPr marL="2971800" indent="-228600" algn="l" defTabSz="457200" rtl="0" eaLnBrk="1" latinLnBrk="0" hangingPunct="1">
+              <a:spcBef>
+                <a:spcPts val="1000"/>
+              </a:spcBef>
+              <a:spcAft>
+                <a:spcPts val="0"/>
+              </a:spcAft>
+              <a:buClr>
+                <a:schemeClr val="accent1"/>
+              </a:buClr>
+              <a:buFont typeface="Wingdings 3" charset="2"/>
+              <a:buChar char=""/>
+              <a:defRPr sz="1200" kern="1200">
+                <a:solidFill>
+                  <a:schemeClr val="tx1">
+                    <a:lumMod val="75000"/>
+                    <a:lumOff val="25000"/>
+                  </a:schemeClr>
+                </a:solidFill>
+                <a:latin typeface="+mn-lt"/>
+                <a:ea typeface="+mn-ea"/>
+                <a:cs typeface="+mn-cs"/>
+              </a:defRPr>
+            </a:lvl7pPr>
+            <a:lvl8pPr marL="3429000" indent="-228600" algn="l" defTabSz="457200" rtl="0" eaLnBrk="1" latinLnBrk="0" hangingPunct="1">
+              <a:spcBef>
+                <a:spcPts val="1000"/>
+              </a:spcBef>
+              <a:spcAft>
+                <a:spcPts val="0"/>
+              </a:spcAft>
+              <a:buClr>
+                <a:schemeClr val="accent1"/>
+              </a:buClr>
+              <a:buFont typeface="Wingdings 3" charset="2"/>
+              <a:buChar char=""/>
+              <a:defRPr sz="1200" kern="1200">
+                <a:solidFill>
+                  <a:schemeClr val="tx1">
+                    <a:lumMod val="75000"/>
+                    <a:lumOff val="25000"/>
+                  </a:schemeClr>
+                </a:solidFill>
+                <a:latin typeface="+mn-lt"/>
+                <a:ea typeface="+mn-ea"/>
+                <a:cs typeface="+mn-cs"/>
+              </a:defRPr>
+            </a:lvl8pPr>
+            <a:lvl9pPr marL="3886200" indent="-228600" algn="l" defTabSz="457200" rtl="0" eaLnBrk="1" latinLnBrk="0" hangingPunct="1">
+              <a:spcBef>
+                <a:spcPts val="1000"/>
+              </a:spcBef>
+              <a:spcAft>
+                <a:spcPts val="0"/>
+              </a:spcAft>
+              <a:buClr>
+                <a:schemeClr val="accent1"/>
+              </a:buClr>
+              <a:buFont typeface="Wingdings 3" charset="2"/>
+              <a:buChar char=""/>
+              <a:defRPr sz="1200" kern="1200">
+                <a:solidFill>
+                  <a:schemeClr val="tx1">
+                    <a:lumMod val="75000"/>
+                    <a:lumOff val="25000"/>
+                  </a:schemeClr>
+                </a:solidFill>
+                <a:latin typeface="+mn-lt"/>
+                <a:ea typeface="+mn-ea"/>
+                <a:cs typeface="+mn-cs"/>
+              </a:defRPr>
+            </a:lvl9pPr>
+          </a:lstStyle>
+          <a:p>
+            <a:pPr marL="0" indent="0">
+              <a:lnSpc>
+                <a:spcPts val="1500"/>
+              </a:lnSpc>
+              <a:buFont typeface="Wingdings 3" charset="2"/>
+              <a:buNone/>
+            </a:pPr>
+            <a:r>
+              <a:rPr lang="en-US" altLang="zh-TW" dirty="0" smtClean="0"/>
+              <a:t>M – ( Huffman ) -&gt; H – ( RSA ) -&gt; C –</a:t>
+            </a:r>
+            <a:r>
+              <a:rPr lang="zh-TW" altLang="en-US" dirty="0" smtClean="0"/>
+              <a:t> </a:t>
+            </a:r>
+            <a:r>
+              <a:rPr lang="en-US" altLang="zh-TW" dirty="0" smtClean="0"/>
+              <a:t>(</a:t>
+            </a:r>
+            <a:r>
+              <a:rPr lang="zh-TW" altLang="en-US" dirty="0" smtClean="0"/>
+              <a:t> </a:t>
+            </a:r>
+            <a:r>
+              <a:rPr lang="en-US" altLang="zh-TW" dirty="0" err="1" smtClean="0"/>
+              <a:t>xor</a:t>
+            </a:r>
+            <a:r>
+              <a:rPr lang="en-US" altLang="zh-TW" dirty="0" smtClean="0"/>
+              <a:t> r ) -&gt; C’ --------------</a:t>
+            </a:r>
+            <a:r>
+              <a:rPr lang="en-US" altLang="zh-TW" dirty="0" smtClean="0">
+                <a:sym typeface="Wingdings" panose="05000000000000000000" pitchFamily="2" charset="2"/>
+              </a:rPr>
+              <a:t>&gt;  C’</a:t>
+            </a:r>
+            <a:endParaRPr lang="en-US" altLang="zh-TW" dirty="0" smtClean="0"/>
+          </a:p>
+          <a:p>
+            <a:pPr marL="0" indent="0">
+              <a:lnSpc>
+                <a:spcPts val="1500"/>
+              </a:lnSpc>
+              <a:buFont typeface="Wingdings 3" charset="2"/>
+              <a:buNone/>
+            </a:pPr>
+            <a:r>
+              <a:rPr lang="en-US" altLang="zh-TW" dirty="0" smtClean="0"/>
+              <a:t>				    B -------------&gt;  B –</a:t>
+            </a:r>
+            <a:r>
+              <a:rPr lang="zh-TW" altLang="en-US" dirty="0" smtClean="0"/>
+              <a:t> </a:t>
+            </a:r>
+            <a:r>
+              <a:rPr lang="en-US" altLang="zh-TW" dirty="0" smtClean="0"/>
+              <a:t>(</a:t>
+            </a:r>
+            <a:r>
+              <a:rPr lang="zh-TW" altLang="en-US" dirty="0" smtClean="0"/>
+              <a:t> </a:t>
+            </a:r>
+            <a:r>
+              <a:rPr lang="en-US" altLang="zh-TW" dirty="0" err="1" smtClean="0"/>
+              <a:t>xor</a:t>
+            </a:r>
+            <a:r>
+              <a:rPr lang="en-US" altLang="zh-TW" dirty="0" smtClean="0"/>
+              <a:t> r ) -&gt;  B’ --------------</a:t>
+            </a:r>
+            <a:r>
+              <a:rPr lang="en-US" altLang="zh-TW" dirty="0" smtClean="0">
+                <a:sym typeface="Wingdings" panose="05000000000000000000" pitchFamily="2" charset="2"/>
+              </a:rPr>
+              <a:t>&gt;   B’</a:t>
+            </a:r>
+            <a:endParaRPr lang="en-US" altLang="zh-TW" dirty="0" smtClean="0"/>
+          </a:p>
+          <a:p>
+            <a:pPr marL="0" indent="0">
+              <a:lnSpc>
+                <a:spcPts val="1500"/>
+              </a:lnSpc>
+              <a:buFont typeface="Wingdings 3" charset="2"/>
+              <a:buNone/>
+            </a:pPr>
+            <a:r>
+              <a:rPr lang="en-US" altLang="zh-TW" dirty="0" smtClean="0"/>
+              <a:t>								         -------</a:t>
+            </a:r>
+            <a:r>
+              <a:rPr lang="en-US" altLang="zh-TW" dirty="0" smtClean="0">
+                <a:sym typeface="Wingdings" panose="05000000000000000000" pitchFamily="2" charset="2"/>
+              </a:rPr>
+              <a:t>&gt;   r - (</a:t>
+            </a:r>
+            <a:r>
+              <a:rPr lang="zh-TW" altLang="en-US" dirty="0" smtClean="0">
+                <a:sym typeface="Wingdings" panose="05000000000000000000" pitchFamily="2" charset="2"/>
+              </a:rPr>
+              <a:t> </a:t>
+            </a:r>
+            <a:r>
+              <a:rPr lang="en-US" altLang="zh-TW" dirty="0" smtClean="0">
+                <a:sym typeface="Wingdings" panose="05000000000000000000" pitchFamily="2" charset="2"/>
+              </a:rPr>
+              <a:t>Rabin</a:t>
+            </a:r>
+            <a:r>
+              <a:rPr lang="zh-TW" altLang="en-US" dirty="0" smtClean="0">
+                <a:sym typeface="Wingdings" panose="05000000000000000000" pitchFamily="2" charset="2"/>
+              </a:rPr>
+              <a:t> </a:t>
+            </a:r>
+            <a:r>
+              <a:rPr lang="en-US" altLang="zh-TW" dirty="0" smtClean="0">
+                <a:sym typeface="Wingdings" panose="05000000000000000000" pitchFamily="2" charset="2"/>
+              </a:rPr>
+              <a:t>)</a:t>
+            </a:r>
+            <a:r>
+              <a:rPr lang="zh-TW" altLang="en-US" dirty="0" smtClean="0">
+                <a:sym typeface="Wingdings" panose="05000000000000000000" pitchFamily="2" charset="2"/>
+              </a:rPr>
+              <a:t> </a:t>
+            </a:r>
+            <a:r>
+              <a:rPr lang="en-US" altLang="zh-TW" dirty="0" smtClean="0">
+                <a:sym typeface="Wingdings" panose="05000000000000000000" pitchFamily="2" charset="2"/>
+              </a:rPr>
+              <a:t>-&gt;   r’</a:t>
+            </a:r>
+            <a:endParaRPr lang="en-US" altLang="zh-TW" dirty="0" smtClean="0"/>
+          </a:p>
+        </p:txBody>
+      </p:sp>
     </p:spTree>
     <p:extLst>
       <p:ext uri="{BB962C8B-B14F-4D97-AF65-F5344CB8AC3E}">
-        <p14:creationId xmlns:p14="http://schemas.microsoft.com/office/powerpoint/2010/main" val="1643659477"/>
+        <p14:creationId xmlns:p14="http://schemas.microsoft.com/office/powerpoint/2010/main" val="2782106569"/>
       </p:ext>
     </p:extLst>
   </p:cSld>
   <p:clrMapOvr>
     <a:masterClrMapping/>
   </p:clrMapOvr>
+  <p:timing>
+    <p:tnLst>
+      <p:par>
+        <p:cTn id="1" dur="indefinite" restart="never" nodeType="tmRoot">
+          <p:childTnLst>
+            <p:seq concurrent="1" nextAc="seek">
+              <p:cTn id="2" dur="indefinite" nodeType="mainSeq">
+                <p:childTnLst>
+                  <p:par>
+                    <p:cTn id="3" fill="hold">
+                      <p:stCondLst>
+                        <p:cond delay="indefinite"/>
+                      </p:stCondLst>
+                      <p:childTnLst>
+                        <p:par>
+                          <p:cTn id="4" fill="hold">
+                            <p:stCondLst>
+                              <p:cond delay="0"/>
+                            </p:stCondLst>
+                            <p:childTnLst>
+                              <p:par>
+                                <p:cTn id="5" presetID="10" presetClass="entr" presetSubtype="0" fill="hold" nodeType="clickEffect">
+                                  <p:stCondLst>
+                                    <p:cond delay="0"/>
+                                  </p:stCondLst>
+                                  <p:childTnLst>
+                                    <p:set>
+                                      <p:cBhvr>
+                                        <p:cTn id="6" dur="1" fill="hold">
+                                          <p:stCondLst>
+                                            <p:cond delay="0"/>
+                                          </p:stCondLst>
+                                        </p:cTn>
+                                        <p:tgtEl>
+                                          <p:spTgt spid="4">
+                                            <p:txEl>
+                                              <p:pRg st="0" end="0"/>
+                                            </p:txEl>
+                                          </p:spTgt>
+                                        </p:tgtEl>
+                                        <p:attrNameLst>
+                                          <p:attrName>style.visibility</p:attrName>
+                                        </p:attrNameLst>
+                                      </p:cBhvr>
+                                      <p:to>
+                                        <p:strVal val="visible"/>
+                                      </p:to>
+                                    </p:set>
+                                    <p:animEffect transition="in" filter="fade">
+                                      <p:cBhvr>
+                                        <p:cTn id="7" dur="500"/>
+                                        <p:tgtEl>
+                                          <p:spTgt spid="4">
+                                            <p:txEl>
+                                              <p:pRg st="0" end="0"/>
+                                            </p:txEl>
+                                          </p:spTgt>
+                                        </p:tgtEl>
+                                      </p:cBhvr>
+                                    </p:animEffect>
+                                  </p:childTnLst>
+                                </p:cTn>
+                              </p:par>
+                              <p:par>
+                                <p:cTn id="8" presetID="10" presetClass="entr" presetSubtype="0" fill="hold" nodeType="withEffect">
+                                  <p:stCondLst>
+                                    <p:cond delay="0"/>
+                                  </p:stCondLst>
+                                  <p:childTnLst>
+                                    <p:set>
+                                      <p:cBhvr>
+                                        <p:cTn id="9" dur="1" fill="hold">
+                                          <p:stCondLst>
+                                            <p:cond delay="0"/>
+                                          </p:stCondLst>
+                                        </p:cTn>
+                                        <p:tgtEl>
+                                          <p:spTgt spid="4">
+                                            <p:txEl>
+                                              <p:pRg st="1" end="1"/>
+                                            </p:txEl>
+                                          </p:spTgt>
+                                        </p:tgtEl>
+                                        <p:attrNameLst>
+                                          <p:attrName>style.visibility</p:attrName>
+                                        </p:attrNameLst>
+                                      </p:cBhvr>
+                                      <p:to>
+                                        <p:strVal val="visible"/>
+                                      </p:to>
+                                    </p:set>
+                                    <p:animEffect transition="in" filter="fade">
+                                      <p:cBhvr>
+                                        <p:cTn id="10" dur="500"/>
+                                        <p:tgtEl>
+                                          <p:spTgt spid="4">
+                                            <p:txEl>
+                                              <p:pRg st="1" end="1"/>
+                                            </p:txEl>
+                                          </p:spTgt>
+                                        </p:tgtEl>
+                                      </p:cBhvr>
+                                    </p:animEffect>
+                                  </p:childTnLst>
+                                </p:cTn>
+                              </p:par>
+                              <p:par>
+                                <p:cTn id="11" presetID="10" presetClass="entr" presetSubtype="0" fill="hold" nodeType="withEffect">
+                                  <p:stCondLst>
+                                    <p:cond delay="0"/>
+                                  </p:stCondLst>
+                                  <p:childTnLst>
+                                    <p:set>
+                                      <p:cBhvr>
+                                        <p:cTn id="12" dur="1" fill="hold">
+                                          <p:stCondLst>
+                                            <p:cond delay="0"/>
+                                          </p:stCondLst>
+                                        </p:cTn>
+                                        <p:tgtEl>
+                                          <p:spTgt spid="4">
+                                            <p:txEl>
+                                              <p:pRg st="2" end="2"/>
+                                            </p:txEl>
+                                          </p:spTgt>
+                                        </p:tgtEl>
+                                        <p:attrNameLst>
+                                          <p:attrName>style.visibility</p:attrName>
+                                        </p:attrNameLst>
+                                      </p:cBhvr>
+                                      <p:to>
+                                        <p:strVal val="visible"/>
+                                      </p:to>
+                                    </p:set>
+                                    <p:animEffect transition="in" filter="fade">
+                                      <p:cBhvr>
+                                        <p:cTn id="13" dur="500"/>
+                                        <p:tgtEl>
+                                          <p:spTgt spid="4">
+                                            <p:txEl>
+                                              <p:pRg st="2" end="2"/>
+                                            </p:txEl>
+                                          </p:spTgt>
+                                        </p:tgtEl>
+                                      </p:cBhvr>
+                                    </p:animEffect>
+                                  </p:childTnLst>
+                                </p:cTn>
+                              </p:par>
+                            </p:childTnLst>
+                          </p:cTn>
+                        </p:par>
+                      </p:childTnLst>
+                    </p:cTn>
+                  </p:par>
+                </p:childTnLst>
+              </p:cTn>
+              <p:prevCondLst>
+                <p:cond evt="onPrev" delay="0">
+                  <p:tgtEl>
+                    <p:sldTgt/>
+                  </p:tgtEl>
+                </p:cond>
+              </p:prevCondLst>
+              <p:nextCondLst>
+                <p:cond evt="onNext" delay="0">
+                  <p:tgtEl>
+                    <p:sldTgt/>
+                  </p:tgtEl>
+                </p:cond>
+              </p:nextCondLst>
+            </p:seq>
+          </p:childTnLst>
+        </p:cTn>
+      </p:par>
+    </p:tnLst>
+  </p:timing>
 </p:sld>
 </file>
 
@@ -8501,78 +8972,672 @@
       </p:grpSpPr>
       <p:sp>
         <p:nvSpPr>
-          <p:cNvPr id="2" name="標題 1">
-            <a:extLst>
-              <a:ext uri="{FF2B5EF4-FFF2-40B4-BE49-F238E27FC236}">
-                <a16:creationId xmlns:a16="http://schemas.microsoft.com/office/drawing/2014/main" id="{412859D5-074E-4582-82D7-64A75DC775C8}"/>
-              </a:ext>
-            </a:extLst>
-          </p:cNvPr>
+          <p:cNvPr id="2" name="標題 1"/>
           <p:cNvSpPr>
             <a:spLocks noGrp="1"/>
           </p:cNvSpPr>
           <p:nvPr>
             <p:ph type="title"/>
+          </p:nvPr>
+        </p:nvSpPr>
+        <p:spPr/>
+        <p:txBody>
+          <a:bodyPr/>
+          <a:lstStyle/>
+          <a:p>
+            <a:r>
+              <a:rPr lang="en-US" altLang="zh-TW" dirty="0"/>
+              <a:t>Modified A-RSA</a:t>
+            </a:r>
+            <a:endParaRPr lang="en-US" altLang="zh-TW" dirty="0"/>
+          </a:p>
+        </p:txBody>
+      </p:sp>
+      <p:sp>
+        <p:nvSpPr>
+          <p:cNvPr id="3" name="內容版面配置區 2"/>
+          <p:cNvSpPr>
+            <a:spLocks noGrp="1"/>
+          </p:cNvSpPr>
+          <p:nvPr>
+            <p:ph idx="1"/>
           </p:nvPr>
         </p:nvSpPr>
         <p:spPr>
           <a:xfrm>
-            <a:off x="2592926" y="624110"/>
-            <a:ext cx="8849658" cy="667795"/>
+            <a:off x="2589212" y="1479665"/>
+            <a:ext cx="8915400" cy="4431557"/>
           </a:xfrm>
         </p:spPr>
         <p:txBody>
           <a:bodyPr>
-            <a:noAutofit/>
+            <a:normAutofit/>
           </a:bodyPr>
           <a:lstStyle/>
           <a:p>
-            <a:r>
-              <a:rPr lang="en-US" altLang="zh-TW" sz="4000" dirty="0"/>
-              <a:t>Rabin Cryptosystem</a:t>
-            </a:r>
-          </a:p>
-        </p:txBody>
-      </p:sp>
-      <p:pic>
-        <p:nvPicPr>
-          <p:cNvPr id="5" name="內容版面配置區 4">
-            <a:extLst>
-              <a:ext uri="{FF2B5EF4-FFF2-40B4-BE49-F238E27FC236}">
-                <a16:creationId xmlns:a16="http://schemas.microsoft.com/office/drawing/2014/main" id="{8416D8F7-24CE-4413-BD55-8F6F145DFCE1}"/>
-              </a:ext>
-            </a:extLst>
-          </p:cNvPr>
-          <p:cNvPicPr>
-            <a:picLocks noGrp="1" noChangeAspect="1"/>
-          </p:cNvPicPr>
-          <p:nvPr>
-            <p:ph idx="1"/>
-          </p:nvPr>
-        </p:nvPicPr>
-        <p:blipFill>
-          <a:blip r:embed="rId2"/>
-          <a:stretch>
-            <a:fillRect/>
-          </a:stretch>
-        </p:blipFill>
+            <a:pPr marL="342900" lvl="1" indent="-342900"/>
+            <a:r>
+              <a:rPr lang="en-US" altLang="zh-TW" sz="2400" dirty="0" smtClean="0"/>
+              <a:t>Step 1: </a:t>
+            </a:r>
+          </a:p>
+          <a:p>
+            <a:pPr marL="742950" lvl="2" indent="-342900"/>
+            <a:r>
+              <a:rPr lang="en-US" altLang="zh-TW" sz="2400" dirty="0" smtClean="0"/>
+              <a:t>Compress message </a:t>
+            </a:r>
+            <a:r>
+              <a:rPr lang="en-US" altLang="zh-TW" sz="2400" b="1" i="1" dirty="0" smtClean="0"/>
+              <a:t>M</a:t>
+            </a:r>
+            <a:r>
+              <a:rPr lang="en-US" altLang="zh-TW" sz="2400" dirty="0" smtClean="0"/>
+              <a:t> </a:t>
+            </a:r>
+            <a:r>
+              <a:rPr lang="en-US" altLang="zh-TW" sz="2400" dirty="0"/>
+              <a:t>by Huffman code. The </a:t>
+            </a:r>
+            <a:r>
+              <a:rPr lang="en-US" altLang="zh-TW" sz="2400" dirty="0" smtClean="0"/>
+              <a:t>output  is </a:t>
+            </a:r>
+            <a:r>
+              <a:rPr lang="en-US" altLang="zh-TW" sz="2400" b="1" i="1" dirty="0" smtClean="0"/>
+              <a:t>M’</a:t>
+            </a:r>
+            <a:r>
+              <a:rPr lang="en-US" altLang="zh-TW" sz="2400" dirty="0" smtClean="0"/>
+              <a:t>.</a:t>
+            </a:r>
+            <a:endParaRPr lang="en-US" altLang="zh-TW" sz="2400" dirty="0"/>
+          </a:p>
+          <a:p>
+            <a:r>
+              <a:rPr lang="en-US" altLang="zh-TW" sz="2400" dirty="0" smtClean="0"/>
+              <a:t>Step 2:</a:t>
+            </a:r>
+          </a:p>
+          <a:p>
+            <a:pPr lvl="1"/>
+            <a:r>
+              <a:rPr lang="en-US" altLang="zh-TW" sz="2400" dirty="0" smtClean="0"/>
+              <a:t>Encrypt </a:t>
+            </a:r>
+            <a:r>
+              <a:rPr lang="en-US" altLang="zh-TW" sz="2400" b="1" i="1" dirty="0" smtClean="0"/>
+              <a:t>M’</a:t>
+            </a:r>
+            <a:r>
+              <a:rPr lang="en-US" altLang="zh-TW" sz="2400" dirty="0" smtClean="0"/>
+              <a:t> by AES. The outputs are </a:t>
+            </a:r>
+            <a:r>
+              <a:rPr lang="en-US" altLang="zh-TW" sz="2400" b="1" i="1" dirty="0" smtClean="0"/>
+              <a:t>C</a:t>
+            </a:r>
+            <a:r>
+              <a:rPr lang="en-US" altLang="zh-TW" sz="2400" dirty="0" smtClean="0"/>
+              <a:t> and key </a:t>
+            </a:r>
+            <a:r>
+              <a:rPr lang="en-US" altLang="zh-TW" sz="2400" b="1" i="1" dirty="0" smtClean="0"/>
+              <a:t>K</a:t>
+            </a:r>
+            <a:r>
+              <a:rPr lang="en-US" altLang="zh-TW" sz="2400" dirty="0" smtClean="0"/>
+              <a:t>.</a:t>
+            </a:r>
+          </a:p>
+          <a:p>
+            <a:r>
+              <a:rPr lang="en-US" altLang="zh-TW" sz="2600" dirty="0" smtClean="0"/>
+              <a:t>Step 3:</a:t>
+            </a:r>
+          </a:p>
+          <a:p>
+            <a:pPr lvl="1"/>
+            <a:r>
+              <a:rPr lang="en-US" altLang="zh-TW" sz="2400" b="1" i="1" dirty="0" smtClean="0"/>
+              <a:t>K’</a:t>
+            </a:r>
+            <a:r>
+              <a:rPr lang="en-US" altLang="zh-TW" sz="2400" dirty="0" smtClean="0"/>
+              <a:t> = </a:t>
+            </a:r>
+            <a:r>
+              <a:rPr lang="en-US" altLang="zh-TW" sz="2400" b="1" i="1" dirty="0" smtClean="0"/>
+              <a:t>K</a:t>
+            </a:r>
+            <a:r>
+              <a:rPr lang="en-US" altLang="zh-TW" sz="2400" dirty="0" smtClean="0"/>
+              <a:t> </a:t>
+            </a:r>
+            <a:r>
+              <a:rPr lang="en-US" altLang="zh-TW" sz="2400" dirty="0" err="1" smtClean="0"/>
+              <a:t>xor</a:t>
+            </a:r>
+            <a:r>
+              <a:rPr lang="en-US" altLang="zh-TW" sz="2400" dirty="0" smtClean="0"/>
+              <a:t> </a:t>
+            </a:r>
+            <a:r>
+              <a:rPr lang="en-US" altLang="zh-TW" sz="2400" b="1" i="1" dirty="0" smtClean="0"/>
+              <a:t>r</a:t>
+            </a:r>
+          </a:p>
+          <a:p>
+            <a:r>
+              <a:rPr lang="en-US" altLang="zh-TW" sz="2600" dirty="0" smtClean="0"/>
+              <a:t>Step 4:</a:t>
+            </a:r>
+          </a:p>
+          <a:p>
+            <a:pPr lvl="1"/>
+            <a:r>
+              <a:rPr lang="en-US" altLang="zh-TW" sz="2400" dirty="0" smtClean="0"/>
+              <a:t>Encrypt </a:t>
+            </a:r>
+            <a:r>
+              <a:rPr lang="en-US" altLang="zh-TW" sz="2400" b="1" i="1" dirty="0" smtClean="0"/>
+              <a:t>r</a:t>
+            </a:r>
+            <a:r>
+              <a:rPr lang="en-US" altLang="zh-TW" sz="2400" dirty="0" smtClean="0"/>
+              <a:t> by RSA.</a:t>
+            </a:r>
+            <a:endParaRPr lang="zh-TW" altLang="en-US" sz="2400" dirty="0"/>
+          </a:p>
+        </p:txBody>
+      </p:sp>
+      <p:sp>
+        <p:nvSpPr>
+          <p:cNvPr id="4" name="內容版面配置區 2"/>
+          <p:cNvSpPr txBox="1">
+            <a:spLocks/>
+          </p:cNvSpPr>
+          <p:nvPr/>
+        </p:nvSpPr>
         <p:spPr>
           <a:xfrm>
-            <a:off x="3167569" y="1291905"/>
-            <a:ext cx="5856861" cy="5566095"/>
+            <a:off x="3320630" y="5911222"/>
+            <a:ext cx="7452563" cy="1014152"/>
           </a:xfrm>
+          <a:prstGeom prst="rect">
+            <a:avLst/>
+          </a:prstGeom>
         </p:spPr>
-      </p:pic>
+        <p:txBody>
+          <a:bodyPr vert="horz" lIns="91440" tIns="45720" rIns="91440" bIns="45720" rtlCol="0">
+            <a:normAutofit/>
+          </a:bodyPr>
+          <a:lstStyle>
+            <a:lvl1pPr marL="342900" indent="-342900" algn="l" defTabSz="457200" rtl="0" eaLnBrk="1" latinLnBrk="0" hangingPunct="1">
+              <a:spcBef>
+                <a:spcPts val="1000"/>
+              </a:spcBef>
+              <a:spcAft>
+                <a:spcPts val="0"/>
+              </a:spcAft>
+              <a:buClr>
+                <a:schemeClr val="accent1"/>
+              </a:buClr>
+              <a:buFont typeface="Wingdings 3" charset="2"/>
+              <a:buChar char=""/>
+              <a:defRPr sz="1800" kern="1200">
+                <a:solidFill>
+                  <a:schemeClr val="tx1">
+                    <a:lumMod val="75000"/>
+                    <a:lumOff val="25000"/>
+                  </a:schemeClr>
+                </a:solidFill>
+                <a:latin typeface="+mn-lt"/>
+                <a:ea typeface="+mn-ea"/>
+                <a:cs typeface="+mn-cs"/>
+              </a:defRPr>
+            </a:lvl1pPr>
+            <a:lvl2pPr marL="742950" indent="-285750" algn="l" defTabSz="457200" rtl="0" eaLnBrk="1" latinLnBrk="0" hangingPunct="1">
+              <a:spcBef>
+                <a:spcPts val="1000"/>
+              </a:spcBef>
+              <a:spcAft>
+                <a:spcPts val="0"/>
+              </a:spcAft>
+              <a:buClr>
+                <a:schemeClr val="accent1"/>
+              </a:buClr>
+              <a:buFont typeface="Wingdings 3" charset="2"/>
+              <a:buChar char=""/>
+              <a:defRPr sz="1600" kern="1200">
+                <a:solidFill>
+                  <a:schemeClr val="tx1">
+                    <a:lumMod val="75000"/>
+                    <a:lumOff val="25000"/>
+                  </a:schemeClr>
+                </a:solidFill>
+                <a:latin typeface="+mn-lt"/>
+                <a:ea typeface="+mn-ea"/>
+                <a:cs typeface="+mn-cs"/>
+              </a:defRPr>
+            </a:lvl2pPr>
+            <a:lvl3pPr marL="1143000" indent="-228600" algn="l" defTabSz="457200" rtl="0" eaLnBrk="1" latinLnBrk="0" hangingPunct="1">
+              <a:spcBef>
+                <a:spcPts val="1000"/>
+              </a:spcBef>
+              <a:spcAft>
+                <a:spcPts val="0"/>
+              </a:spcAft>
+              <a:buClr>
+                <a:schemeClr val="accent1"/>
+              </a:buClr>
+              <a:buFont typeface="Wingdings 3" charset="2"/>
+              <a:buChar char=""/>
+              <a:defRPr sz="1400" kern="1200">
+                <a:solidFill>
+                  <a:schemeClr val="tx1">
+                    <a:lumMod val="75000"/>
+                    <a:lumOff val="25000"/>
+                  </a:schemeClr>
+                </a:solidFill>
+                <a:latin typeface="+mn-lt"/>
+                <a:ea typeface="+mn-ea"/>
+                <a:cs typeface="+mn-cs"/>
+              </a:defRPr>
+            </a:lvl3pPr>
+            <a:lvl4pPr marL="1600200" indent="-228600" algn="l" defTabSz="457200" rtl="0" eaLnBrk="1" latinLnBrk="0" hangingPunct="1">
+              <a:spcBef>
+                <a:spcPts val="1000"/>
+              </a:spcBef>
+              <a:spcAft>
+                <a:spcPts val="0"/>
+              </a:spcAft>
+              <a:buClr>
+                <a:schemeClr val="accent1"/>
+              </a:buClr>
+              <a:buFont typeface="Wingdings 3" charset="2"/>
+              <a:buChar char=""/>
+              <a:defRPr sz="1200" kern="1200">
+                <a:solidFill>
+                  <a:schemeClr val="tx1">
+                    <a:lumMod val="75000"/>
+                    <a:lumOff val="25000"/>
+                  </a:schemeClr>
+                </a:solidFill>
+                <a:latin typeface="+mn-lt"/>
+                <a:ea typeface="+mn-ea"/>
+                <a:cs typeface="+mn-cs"/>
+              </a:defRPr>
+            </a:lvl4pPr>
+            <a:lvl5pPr marL="2057400" indent="-228600" algn="l" defTabSz="457200" rtl="0" eaLnBrk="1" latinLnBrk="0" hangingPunct="1">
+              <a:spcBef>
+                <a:spcPts val="1000"/>
+              </a:spcBef>
+              <a:spcAft>
+                <a:spcPts val="0"/>
+              </a:spcAft>
+              <a:buClr>
+                <a:schemeClr val="accent1"/>
+              </a:buClr>
+              <a:buFont typeface="Wingdings 3" charset="2"/>
+              <a:buChar char=""/>
+              <a:defRPr sz="1200" kern="1200">
+                <a:solidFill>
+                  <a:schemeClr val="tx1">
+                    <a:lumMod val="75000"/>
+                    <a:lumOff val="25000"/>
+                  </a:schemeClr>
+                </a:solidFill>
+                <a:latin typeface="+mn-lt"/>
+                <a:ea typeface="+mn-ea"/>
+                <a:cs typeface="+mn-cs"/>
+              </a:defRPr>
+            </a:lvl5pPr>
+            <a:lvl6pPr marL="2514600" indent="-228600" algn="l" defTabSz="457200" rtl="0" eaLnBrk="1" latinLnBrk="0" hangingPunct="1">
+              <a:spcBef>
+                <a:spcPts val="1000"/>
+              </a:spcBef>
+              <a:spcAft>
+                <a:spcPts val="0"/>
+              </a:spcAft>
+              <a:buClr>
+                <a:schemeClr val="accent1"/>
+              </a:buClr>
+              <a:buFont typeface="Wingdings 3" charset="2"/>
+              <a:buChar char=""/>
+              <a:defRPr sz="1200" kern="1200">
+                <a:solidFill>
+                  <a:schemeClr val="tx1">
+                    <a:lumMod val="75000"/>
+                    <a:lumOff val="25000"/>
+                  </a:schemeClr>
+                </a:solidFill>
+                <a:latin typeface="+mn-lt"/>
+                <a:ea typeface="+mn-ea"/>
+                <a:cs typeface="+mn-cs"/>
+              </a:defRPr>
+            </a:lvl6pPr>
+            <a:lvl7pPr marL="2971800" indent="-228600" algn="l" defTabSz="457200" rtl="0" eaLnBrk="1" latinLnBrk="0" hangingPunct="1">
+              <a:spcBef>
+                <a:spcPts val="1000"/>
+              </a:spcBef>
+              <a:spcAft>
+                <a:spcPts val="0"/>
+              </a:spcAft>
+              <a:buClr>
+                <a:schemeClr val="accent1"/>
+              </a:buClr>
+              <a:buFont typeface="Wingdings 3" charset="2"/>
+              <a:buChar char=""/>
+              <a:defRPr sz="1200" kern="1200">
+                <a:solidFill>
+                  <a:schemeClr val="tx1">
+                    <a:lumMod val="75000"/>
+                    <a:lumOff val="25000"/>
+                  </a:schemeClr>
+                </a:solidFill>
+                <a:latin typeface="+mn-lt"/>
+                <a:ea typeface="+mn-ea"/>
+                <a:cs typeface="+mn-cs"/>
+              </a:defRPr>
+            </a:lvl7pPr>
+            <a:lvl8pPr marL="3429000" indent="-228600" algn="l" defTabSz="457200" rtl="0" eaLnBrk="1" latinLnBrk="0" hangingPunct="1">
+              <a:spcBef>
+                <a:spcPts val="1000"/>
+              </a:spcBef>
+              <a:spcAft>
+                <a:spcPts val="0"/>
+              </a:spcAft>
+              <a:buClr>
+                <a:schemeClr val="accent1"/>
+              </a:buClr>
+              <a:buFont typeface="Wingdings 3" charset="2"/>
+              <a:buChar char=""/>
+              <a:defRPr sz="1200" kern="1200">
+                <a:solidFill>
+                  <a:schemeClr val="tx1">
+                    <a:lumMod val="75000"/>
+                    <a:lumOff val="25000"/>
+                  </a:schemeClr>
+                </a:solidFill>
+                <a:latin typeface="+mn-lt"/>
+                <a:ea typeface="+mn-ea"/>
+                <a:cs typeface="+mn-cs"/>
+              </a:defRPr>
+            </a:lvl8pPr>
+            <a:lvl9pPr marL="3886200" indent="-228600" algn="l" defTabSz="457200" rtl="0" eaLnBrk="1" latinLnBrk="0" hangingPunct="1">
+              <a:spcBef>
+                <a:spcPts val="1000"/>
+              </a:spcBef>
+              <a:spcAft>
+                <a:spcPts val="0"/>
+              </a:spcAft>
+              <a:buClr>
+                <a:schemeClr val="accent1"/>
+              </a:buClr>
+              <a:buFont typeface="Wingdings 3" charset="2"/>
+              <a:buChar char=""/>
+              <a:defRPr sz="1200" kern="1200">
+                <a:solidFill>
+                  <a:schemeClr val="tx1">
+                    <a:lumMod val="75000"/>
+                    <a:lumOff val="25000"/>
+                  </a:schemeClr>
+                </a:solidFill>
+                <a:latin typeface="+mn-lt"/>
+                <a:ea typeface="+mn-ea"/>
+                <a:cs typeface="+mn-cs"/>
+              </a:defRPr>
+            </a:lvl9pPr>
+          </a:lstStyle>
+          <a:p>
+            <a:pPr marL="0" indent="0">
+              <a:lnSpc>
+                <a:spcPts val="1500"/>
+              </a:lnSpc>
+              <a:buFont typeface="Wingdings 3" charset="2"/>
+              <a:buNone/>
+            </a:pPr>
+            <a:r>
+              <a:rPr lang="en-US" altLang="zh-TW" dirty="0" smtClean="0"/>
+              <a:t>M – ( Huffman ) -&gt; M’– ( AES ) -&gt; C --------------------------------------</a:t>
+            </a:r>
+            <a:r>
+              <a:rPr lang="en-US" altLang="zh-TW" dirty="0" smtClean="0">
+                <a:sym typeface="Wingdings" panose="05000000000000000000" pitchFamily="2" charset="2"/>
+              </a:rPr>
+              <a:t>&gt;  C</a:t>
+            </a:r>
+            <a:endParaRPr lang="en-US" altLang="zh-TW" dirty="0" smtClean="0"/>
+          </a:p>
+          <a:p>
+            <a:pPr marL="0" indent="0">
+              <a:lnSpc>
+                <a:spcPts val="1500"/>
+              </a:lnSpc>
+              <a:buFont typeface="Wingdings 3" charset="2"/>
+              <a:buNone/>
+            </a:pPr>
+            <a:r>
+              <a:rPr lang="en-US" altLang="zh-TW" dirty="0" smtClean="0"/>
+              <a:t>							      K --- ( </a:t>
+            </a:r>
+            <a:r>
+              <a:rPr lang="en-US" altLang="zh-TW" dirty="0" err="1" smtClean="0"/>
+              <a:t>xor</a:t>
+            </a:r>
+            <a:r>
+              <a:rPr lang="en-US" altLang="zh-TW" dirty="0" smtClean="0"/>
+              <a:t> r ) --- &gt; K’ --------------&gt;  K’</a:t>
+            </a:r>
+          </a:p>
+          <a:p>
+            <a:pPr marL="0" indent="0">
+              <a:lnSpc>
+                <a:spcPts val="1500"/>
+              </a:lnSpc>
+              <a:buFont typeface="Wingdings 3" charset="2"/>
+              <a:buNone/>
+            </a:pPr>
+            <a:r>
+              <a:rPr lang="en-US" altLang="zh-TW" dirty="0"/>
+              <a:t>	</a:t>
+            </a:r>
+            <a:r>
+              <a:rPr lang="en-US" altLang="zh-TW" dirty="0" smtClean="0"/>
+              <a:t>										      r   -- ( RSA ) -&gt;  r’</a:t>
+            </a:r>
+            <a:endParaRPr lang="en-US" altLang="zh-TW" dirty="0" smtClean="0"/>
+          </a:p>
+        </p:txBody>
+      </p:sp>
     </p:spTree>
     <p:extLst>
       <p:ext uri="{BB962C8B-B14F-4D97-AF65-F5344CB8AC3E}">
-        <p14:creationId xmlns:p14="http://schemas.microsoft.com/office/powerpoint/2010/main" val="632029536"/>
+        <p14:creationId xmlns:p14="http://schemas.microsoft.com/office/powerpoint/2010/main" val="1748702831"/>
       </p:ext>
     </p:extLst>
   </p:cSld>
   <p:clrMapOvr>
     <a:masterClrMapping/>
   </p:clrMapOvr>
+  <p:timing>
+    <p:tnLst>
+      <p:par>
+        <p:cTn id="1" dur="indefinite" restart="never" nodeType="tmRoot">
+          <p:childTnLst>
+            <p:seq concurrent="1" nextAc="seek">
+              <p:cTn id="2" dur="indefinite" nodeType="mainSeq">
+                <p:childTnLst>
+                  <p:par>
+                    <p:cTn id="3" fill="hold">
+                      <p:stCondLst>
+                        <p:cond delay="indefinite"/>
+                      </p:stCondLst>
+                      <p:childTnLst>
+                        <p:par>
+                          <p:cTn id="4" fill="hold">
+                            <p:stCondLst>
+                              <p:cond delay="0"/>
+                            </p:stCondLst>
+                            <p:childTnLst>
+                              <p:par>
+                                <p:cTn id="5" presetID="10" presetClass="entr" presetSubtype="0" fill="hold" nodeType="clickEffect">
+                                  <p:stCondLst>
+                                    <p:cond delay="0"/>
+                                  </p:stCondLst>
+                                  <p:childTnLst>
+                                    <p:set>
+                                      <p:cBhvr>
+                                        <p:cTn id="6" dur="1" fill="hold">
+                                          <p:stCondLst>
+                                            <p:cond delay="0"/>
+                                          </p:stCondLst>
+                                        </p:cTn>
+                                        <p:tgtEl>
+                                          <p:spTgt spid="4">
+                                            <p:txEl>
+                                              <p:pRg st="0" end="0"/>
+                                            </p:txEl>
+                                          </p:spTgt>
+                                        </p:tgtEl>
+                                        <p:attrNameLst>
+                                          <p:attrName>style.visibility</p:attrName>
+                                        </p:attrNameLst>
+                                      </p:cBhvr>
+                                      <p:to>
+                                        <p:strVal val="visible"/>
+                                      </p:to>
+                                    </p:set>
+                                    <p:animEffect transition="in" filter="fade">
+                                      <p:cBhvr>
+                                        <p:cTn id="7" dur="500"/>
+                                        <p:tgtEl>
+                                          <p:spTgt spid="4">
+                                            <p:txEl>
+                                              <p:pRg st="0" end="0"/>
+                                            </p:txEl>
+                                          </p:spTgt>
+                                        </p:tgtEl>
+                                      </p:cBhvr>
+                                    </p:animEffect>
+                                  </p:childTnLst>
+                                </p:cTn>
+                              </p:par>
+                              <p:par>
+                                <p:cTn id="8" presetID="10" presetClass="entr" presetSubtype="0" fill="hold" nodeType="withEffect">
+                                  <p:stCondLst>
+                                    <p:cond delay="0"/>
+                                  </p:stCondLst>
+                                  <p:childTnLst>
+                                    <p:set>
+                                      <p:cBhvr>
+                                        <p:cTn id="9" dur="1" fill="hold">
+                                          <p:stCondLst>
+                                            <p:cond delay="0"/>
+                                          </p:stCondLst>
+                                        </p:cTn>
+                                        <p:tgtEl>
+                                          <p:spTgt spid="4">
+                                            <p:txEl>
+                                              <p:pRg st="1" end="1"/>
+                                            </p:txEl>
+                                          </p:spTgt>
+                                        </p:tgtEl>
+                                        <p:attrNameLst>
+                                          <p:attrName>style.visibility</p:attrName>
+                                        </p:attrNameLst>
+                                      </p:cBhvr>
+                                      <p:to>
+                                        <p:strVal val="visible"/>
+                                      </p:to>
+                                    </p:set>
+                                    <p:animEffect transition="in" filter="fade">
+                                      <p:cBhvr>
+                                        <p:cTn id="10" dur="500"/>
+                                        <p:tgtEl>
+                                          <p:spTgt spid="4">
+                                            <p:txEl>
+                                              <p:pRg st="1" end="1"/>
+                                            </p:txEl>
+                                          </p:spTgt>
+                                        </p:tgtEl>
+                                      </p:cBhvr>
+                                    </p:animEffect>
+                                  </p:childTnLst>
+                                </p:cTn>
+                              </p:par>
+                              <p:par>
+                                <p:cTn id="11" presetID="10" presetClass="entr" presetSubtype="0" fill="hold" nodeType="withEffect">
+                                  <p:stCondLst>
+                                    <p:cond delay="0"/>
+                                  </p:stCondLst>
+                                  <p:childTnLst>
+                                    <p:set>
+                                      <p:cBhvr>
+                                        <p:cTn id="12" dur="1" fill="hold">
+                                          <p:stCondLst>
+                                            <p:cond delay="0"/>
+                                          </p:stCondLst>
+                                        </p:cTn>
+                                        <p:tgtEl>
+                                          <p:spTgt spid="4">
+                                            <p:txEl>
+                                              <p:pRg st="2" end="2"/>
+                                            </p:txEl>
+                                          </p:spTgt>
+                                        </p:tgtEl>
+                                        <p:attrNameLst>
+                                          <p:attrName>style.visibility</p:attrName>
+                                        </p:attrNameLst>
+                                      </p:cBhvr>
+                                      <p:to>
+                                        <p:strVal val="visible"/>
+                                      </p:to>
+                                    </p:set>
+                                    <p:animEffect transition="in" filter="fade">
+                                      <p:cBhvr>
+                                        <p:cTn id="13" dur="500"/>
+                                        <p:tgtEl>
+                                          <p:spTgt spid="4">
+                                            <p:txEl>
+                                              <p:pRg st="2" end="2"/>
+                                            </p:txEl>
+                                          </p:spTgt>
+                                        </p:tgtEl>
+                                      </p:cBhvr>
+                                    </p:animEffect>
+                                  </p:childTnLst>
+                                </p:cTn>
+                              </p:par>
+                            </p:childTnLst>
+                          </p:cTn>
+                        </p:par>
+                      </p:childTnLst>
+                    </p:cTn>
+                  </p:par>
+                </p:childTnLst>
+              </p:cTn>
+              <p:prevCondLst>
+                <p:cond evt="onPrev" delay="0">
+                  <p:tgtEl>
+                    <p:sldTgt/>
+                  </p:tgtEl>
+                </p:cond>
+              </p:prevCondLst>
+              <p:nextCondLst>
+                <p:cond evt="onNext" delay="0">
+                  <p:tgtEl>
+                    <p:sldTgt/>
+                  </p:tgtEl>
+                </p:cond>
+              </p:nextCondLst>
+            </p:seq>
+          </p:childTnLst>
+        </p:cTn>
+      </p:par>
+    </p:tnLst>
+  </p:timing>
 </p:sld>
 </file>
 
@@ -8598,7 +9663,7 @@
           <p:cNvPr id="2" name="標題 1">
             <a:extLst>
               <a:ext uri="{FF2B5EF4-FFF2-40B4-BE49-F238E27FC236}">
-                <a16:creationId xmlns:a16="http://schemas.microsoft.com/office/drawing/2014/main" id="{412859D5-074E-4582-82D7-64A75DC775C8}"/>
+                <a16:creationId xmlns:a16="http://schemas.microsoft.com/office/drawing/2014/main" id="{B29D5D82-CA7B-42EA-A671-F3E9653436AD}"/>
               </a:ext>
             </a:extLst>
           </p:cNvPr>
@@ -8609,346 +9674,130 @@
             <p:ph type="title"/>
           </p:nvPr>
         </p:nvSpPr>
-        <p:spPr>
-          <a:xfrm>
-            <a:off x="2592926" y="624110"/>
-            <a:ext cx="8849658" cy="667795"/>
-          </a:xfrm>
-        </p:spPr>
-        <p:txBody>
-          <a:bodyPr>
-            <a:noAutofit/>
-          </a:bodyPr>
+        <p:spPr/>
+        <p:txBody>
+          <a:bodyPr/>
           <a:lstStyle/>
           <a:p>
             <a:r>
-              <a:rPr lang="en-US" altLang="zh-TW" sz="4000" dirty="0"/>
-              <a:t>Huffman Coding</a:t>
-            </a:r>
-          </a:p>
-        </p:txBody>
-      </p:sp>
-      <p:pic>
-        <p:nvPicPr>
-          <p:cNvPr id="7" name="內容版面配置區 6">
+              <a:rPr lang="en-US" altLang="zh-TW" dirty="0"/>
+              <a:t>Reference</a:t>
+            </a:r>
+            <a:br>
+              <a:rPr lang="en-US" altLang="zh-TW" dirty="0"/>
+            </a:br>
+            <a:endParaRPr lang="zh-TW" altLang="en-US" dirty="0"/>
+          </a:p>
+        </p:txBody>
+      </p:sp>
+      <p:sp>
+        <p:nvSpPr>
+          <p:cNvPr id="3" name="內容版面配置區 2">
             <a:extLst>
               <a:ext uri="{FF2B5EF4-FFF2-40B4-BE49-F238E27FC236}">
-                <a16:creationId xmlns:a16="http://schemas.microsoft.com/office/drawing/2014/main" id="{2C72E995-BE9C-4EA8-B361-059E1E5677E0}"/>
+                <a16:creationId xmlns:a16="http://schemas.microsoft.com/office/drawing/2014/main" id="{C32D36EC-3180-4B0A-9AD9-D1519DAA4499}"/>
               </a:ext>
             </a:extLst>
           </p:cNvPr>
-          <p:cNvPicPr>
-            <a:picLocks noGrp="1" noChangeAspect="1"/>
-          </p:cNvPicPr>
+          <p:cNvSpPr>
+            <a:spLocks noGrp="1"/>
+          </p:cNvSpPr>
           <p:nvPr>
             <p:ph idx="1"/>
           </p:nvPr>
-        </p:nvPicPr>
-        <p:blipFill>
-          <a:blip r:embed="rId2"/>
-          <a:stretch>
-            <a:fillRect/>
-          </a:stretch>
-        </p:blipFill>
-        <p:spPr>
-          <a:xfrm>
-            <a:off x="2298278" y="1593272"/>
-            <a:ext cx="7595443" cy="3671455"/>
-          </a:xfrm>
-        </p:spPr>
-      </p:pic>
+        </p:nvSpPr>
+        <p:spPr/>
+        <p:txBody>
+          <a:bodyPr/>
+          <a:lstStyle/>
+          <a:p>
+            <a:r>
+              <a:rPr lang="en-US" altLang="zh-TW" dirty="0"/>
+              <a:t>Abdallah </a:t>
+            </a:r>
+            <a:r>
+              <a:rPr lang="en-US" altLang="zh-TW" dirty="0" err="1"/>
+              <a:t>Karakra</a:t>
+            </a:r>
+            <a:r>
+              <a:rPr lang="en-US" altLang="zh-TW" dirty="0"/>
+              <a:t> and Ahmad </a:t>
+            </a:r>
+            <a:r>
+              <a:rPr lang="en-US" altLang="zh-TW" dirty="0" err="1"/>
+              <a:t>Alsadeh</a:t>
+            </a:r>
+            <a:r>
+              <a:rPr lang="en-US" altLang="zh-TW" dirty="0"/>
+              <a:t>, SAI Computing Conference,1016 - 1023, 2016</a:t>
+            </a:r>
+          </a:p>
+          <a:p>
+            <a:r>
+              <a:rPr lang="en-US" altLang="zh-TW" dirty="0"/>
+              <a:t>R. L. </a:t>
+            </a:r>
+            <a:r>
+              <a:rPr lang="en-US" altLang="zh-TW" dirty="0" err="1"/>
+              <a:t>Rivest</a:t>
+            </a:r>
+            <a:r>
+              <a:rPr lang="en-US" altLang="zh-TW" dirty="0"/>
+              <a:t>, A. Shamir, and L. </a:t>
+            </a:r>
+            <a:r>
+              <a:rPr lang="en-US" altLang="zh-TW" dirty="0" err="1"/>
+              <a:t>Adleman</a:t>
+            </a:r>
+            <a:r>
+              <a:rPr lang="en-US" altLang="zh-TW" dirty="0"/>
+              <a:t>, ‘A Method for Obtaining Digital Signatures and Public-Key Cryptosystems’, Communications of the ACM, Vol. 21, No. 2, 120-126, 1978</a:t>
+            </a:r>
+            <a:endParaRPr lang="zh-TW" altLang="en-US" dirty="0"/>
+          </a:p>
+          <a:p>
+            <a:r>
+              <a:rPr lang="en-US" altLang="zh-TW" dirty="0">
+                <a:hlinkClick r:id="rId2"/>
+              </a:rPr>
+              <a:t>[web1]https://en.wikipedia.org/wiki/RSA_(cryptosystem)#Proof_using_Fermat's_little_theorem</a:t>
+            </a:r>
+            <a:endParaRPr lang="en-US" altLang="zh-TW" dirty="0"/>
+          </a:p>
+          <a:p>
+            <a:r>
+              <a:rPr lang="en-US" altLang="zh-TW" dirty="0">
+                <a:hlinkClick r:id="rId3"/>
+              </a:rPr>
+              <a:t>[web2] https://en.wikipedia.org/wiki/Rabin_cryptosystem</a:t>
+            </a:r>
+            <a:endParaRPr lang="en-US" altLang="zh-TW" dirty="0"/>
+          </a:p>
+          <a:p>
+            <a:endParaRPr lang="zh-TW" altLang="en-US" dirty="0"/>
+          </a:p>
+          <a:p>
+            <a:endParaRPr lang="zh-TW" altLang="en-US" dirty="0"/>
+          </a:p>
+        </p:txBody>
+      </p:sp>
     </p:spTree>
     <p:extLst>
       <p:ext uri="{BB962C8B-B14F-4D97-AF65-F5344CB8AC3E}">
-        <p14:creationId xmlns:p14="http://schemas.microsoft.com/office/powerpoint/2010/main" val="1561944088"/>
+        <p14:creationId xmlns:p14="http://schemas.microsoft.com/office/powerpoint/2010/main" val="840323347"/>
       </p:ext>
     </p:extLst>
   </p:cSld>
   <p:clrMapOvr>
     <a:masterClrMapping/>
   </p:clrMapOvr>
-</p:sld>
-</file>
-
-<file path=ppt/slides/slide7.xml><?xml version="1.0" encoding="utf-8"?>
-<p:sld xmlns:a="http://schemas.openxmlformats.org/drawingml/2006/main" xmlns:r="http://schemas.openxmlformats.org/officeDocument/2006/relationships" xmlns:p="http://schemas.openxmlformats.org/presentationml/2006/main">
-  <p:cSld>
-    <p:spTree>
-      <p:nvGrpSpPr>
-        <p:cNvPr id="1" name=""/>
-        <p:cNvGrpSpPr/>
-        <p:nvPr/>
-      </p:nvGrpSpPr>
-      <p:grpSpPr>
-        <a:xfrm>
-          <a:off x="0" y="0"/>
-          <a:ext cx="0" cy="0"/>
-          <a:chOff x="0" y="0"/>
-          <a:chExt cx="0" cy="0"/>
-        </a:xfrm>
-      </p:grpSpPr>
-      <p:sp>
-        <p:nvSpPr>
-          <p:cNvPr id="2" name="標題 1">
-            <a:extLst>
-              <a:ext uri="{FF2B5EF4-FFF2-40B4-BE49-F238E27FC236}">
-                <a16:creationId xmlns:a16="http://schemas.microsoft.com/office/drawing/2014/main" id="{412859D5-074E-4582-82D7-64A75DC775C8}"/>
-              </a:ext>
-            </a:extLst>
-          </p:cNvPr>
-          <p:cNvSpPr>
-            <a:spLocks noGrp="1"/>
-          </p:cNvSpPr>
-          <p:nvPr>
-            <p:ph type="title"/>
-          </p:nvPr>
-        </p:nvSpPr>
-        <p:spPr>
-          <a:xfrm>
-            <a:off x="2592926" y="624110"/>
-            <a:ext cx="8849658" cy="667795"/>
-          </a:xfrm>
-        </p:spPr>
-        <p:txBody>
-          <a:bodyPr>
-            <a:noAutofit/>
-          </a:bodyPr>
-          <a:lstStyle/>
-          <a:p>
-            <a:r>
-              <a:rPr lang="en-US" altLang="zh-TW" sz="4000" dirty="0"/>
-              <a:t>A-RSA Cryptosystem</a:t>
-            </a:r>
-          </a:p>
-        </p:txBody>
-      </p:sp>
-      <p:pic>
-        <p:nvPicPr>
-          <p:cNvPr id="11" name="內容版面配置區 10">
-            <a:extLst>
-              <a:ext uri="{FF2B5EF4-FFF2-40B4-BE49-F238E27FC236}">
-                <a16:creationId xmlns:a16="http://schemas.microsoft.com/office/drawing/2014/main" id="{01090786-891F-4569-9C12-BC3A9DFD4124}"/>
-              </a:ext>
-            </a:extLst>
-          </p:cNvPr>
-          <p:cNvPicPr>
-            <a:picLocks noGrp="1" noChangeAspect="1"/>
-          </p:cNvPicPr>
-          <p:nvPr>
-            <p:ph idx="1"/>
-          </p:nvPr>
-        </p:nvPicPr>
-        <p:blipFill>
-          <a:blip r:embed="rId2"/>
-          <a:stretch>
-            <a:fillRect/>
-          </a:stretch>
-        </p:blipFill>
-        <p:spPr>
-          <a:xfrm>
-            <a:off x="2881815" y="1291905"/>
-            <a:ext cx="6428370" cy="5372654"/>
-          </a:xfrm>
-        </p:spPr>
-      </p:pic>
-    </p:spTree>
-    <p:extLst>
-      <p:ext uri="{BB962C8B-B14F-4D97-AF65-F5344CB8AC3E}">
-        <p14:creationId xmlns:p14="http://schemas.microsoft.com/office/powerpoint/2010/main" val="1536024015"/>
-      </p:ext>
-    </p:extLst>
-  </p:cSld>
-  <p:clrMapOvr>
-    <a:masterClrMapping/>
-  </p:clrMapOvr>
-</p:sld>
-</file>
-
-<file path=ppt/slides/slide8.xml><?xml version="1.0" encoding="utf-8"?>
-<p:sld xmlns:a="http://schemas.openxmlformats.org/drawingml/2006/main" xmlns:r="http://schemas.openxmlformats.org/officeDocument/2006/relationships" xmlns:p="http://schemas.openxmlformats.org/presentationml/2006/main">
-  <p:cSld>
-    <p:spTree>
-      <p:nvGrpSpPr>
-        <p:cNvPr id="1" name=""/>
-        <p:cNvGrpSpPr/>
-        <p:nvPr/>
-      </p:nvGrpSpPr>
-      <p:grpSpPr>
-        <a:xfrm>
-          <a:off x="0" y="0"/>
-          <a:ext cx="0" cy="0"/>
-          <a:chOff x="0" y="0"/>
-          <a:chExt cx="0" cy="0"/>
-        </a:xfrm>
-      </p:grpSpPr>
-      <p:sp>
-        <p:nvSpPr>
-          <p:cNvPr id="2" name="標題 1">
-            <a:extLst>
-              <a:ext uri="{FF2B5EF4-FFF2-40B4-BE49-F238E27FC236}">
-                <a16:creationId xmlns:a16="http://schemas.microsoft.com/office/drawing/2014/main" id="{412859D5-074E-4582-82D7-64A75DC775C8}"/>
-              </a:ext>
-            </a:extLst>
-          </p:cNvPr>
-          <p:cNvSpPr>
-            <a:spLocks noGrp="1"/>
-          </p:cNvSpPr>
-          <p:nvPr>
-            <p:ph type="title"/>
-          </p:nvPr>
-        </p:nvSpPr>
-        <p:spPr>
-          <a:xfrm>
-            <a:off x="2592926" y="624110"/>
-            <a:ext cx="8849658" cy="667795"/>
-          </a:xfrm>
-        </p:spPr>
-        <p:txBody>
-          <a:bodyPr>
-            <a:noAutofit/>
-          </a:bodyPr>
-          <a:lstStyle/>
-          <a:p>
-            <a:r>
-              <a:rPr lang="en-US" altLang="zh-TW" sz="4000" dirty="0"/>
-              <a:t>A-RSA Cryptosystem (Cont’d)</a:t>
-            </a:r>
-          </a:p>
-        </p:txBody>
-      </p:sp>
-      <p:pic>
-        <p:nvPicPr>
-          <p:cNvPr id="6" name="內容版面配置區 5">
-            <a:extLst>
-              <a:ext uri="{FF2B5EF4-FFF2-40B4-BE49-F238E27FC236}">
-                <a16:creationId xmlns:a16="http://schemas.microsoft.com/office/drawing/2014/main" id="{BEDD38ED-1CAE-49B2-9372-511773BC4A0E}"/>
-              </a:ext>
-            </a:extLst>
-          </p:cNvPr>
-          <p:cNvPicPr>
-            <a:picLocks noGrp="1" noChangeAspect="1"/>
-          </p:cNvPicPr>
-          <p:nvPr>
-            <p:ph idx="1"/>
-          </p:nvPr>
-        </p:nvPicPr>
-        <p:blipFill>
-          <a:blip r:embed="rId2"/>
-          <a:stretch>
-            <a:fillRect/>
-          </a:stretch>
-        </p:blipFill>
-        <p:spPr>
-          <a:xfrm>
-            <a:off x="2562984" y="1813080"/>
-            <a:ext cx="7066031" cy="3231840"/>
-          </a:xfrm>
-        </p:spPr>
-      </p:pic>
-    </p:spTree>
-    <p:extLst>
-      <p:ext uri="{BB962C8B-B14F-4D97-AF65-F5344CB8AC3E}">
-        <p14:creationId xmlns:p14="http://schemas.microsoft.com/office/powerpoint/2010/main" val="272788550"/>
-      </p:ext>
-    </p:extLst>
-  </p:cSld>
-  <p:clrMapOvr>
-    <a:masterClrMapping/>
-  </p:clrMapOvr>
-</p:sld>
-</file>
-
-<file path=ppt/slides/slide9.xml><?xml version="1.0" encoding="utf-8"?>
-<p:sld xmlns:a="http://schemas.openxmlformats.org/drawingml/2006/main" xmlns:r="http://schemas.openxmlformats.org/officeDocument/2006/relationships" xmlns:p="http://schemas.openxmlformats.org/presentationml/2006/main">
-  <p:cSld>
-    <p:spTree>
-      <p:nvGrpSpPr>
-        <p:cNvPr id="1" name=""/>
-        <p:cNvGrpSpPr/>
-        <p:nvPr/>
-      </p:nvGrpSpPr>
-      <p:grpSpPr>
-        <a:xfrm>
-          <a:off x="0" y="0"/>
-          <a:ext cx="0" cy="0"/>
-          <a:chOff x="0" y="0"/>
-          <a:chExt cx="0" cy="0"/>
-        </a:xfrm>
-      </p:grpSpPr>
-      <p:sp>
-        <p:nvSpPr>
-          <p:cNvPr id="2" name="標題 1">
-            <a:extLst>
-              <a:ext uri="{FF2B5EF4-FFF2-40B4-BE49-F238E27FC236}">
-                <a16:creationId xmlns:a16="http://schemas.microsoft.com/office/drawing/2014/main" id="{412859D5-074E-4582-82D7-64A75DC775C8}"/>
-              </a:ext>
-            </a:extLst>
-          </p:cNvPr>
-          <p:cNvSpPr>
-            <a:spLocks noGrp="1"/>
-          </p:cNvSpPr>
-          <p:nvPr>
-            <p:ph type="title"/>
-          </p:nvPr>
-        </p:nvSpPr>
-        <p:spPr>
-          <a:xfrm>
-            <a:off x="2592926" y="624110"/>
-            <a:ext cx="8849658" cy="667795"/>
-          </a:xfrm>
-        </p:spPr>
-        <p:txBody>
-          <a:bodyPr>
-            <a:noAutofit/>
-          </a:bodyPr>
-          <a:lstStyle/>
-          <a:p>
-            <a:r>
-              <a:rPr lang="en-US" altLang="zh-TW" sz="4000" dirty="0"/>
-              <a:t>Performance</a:t>
-            </a:r>
-          </a:p>
-        </p:txBody>
-      </p:sp>
-      <p:pic>
-        <p:nvPicPr>
-          <p:cNvPr id="6" name="內容版面配置區 5">
-            <a:extLst>
-              <a:ext uri="{FF2B5EF4-FFF2-40B4-BE49-F238E27FC236}">
-                <a16:creationId xmlns:a16="http://schemas.microsoft.com/office/drawing/2014/main" id="{1B9F6DCE-0B10-44D7-9A59-0D639D937C6F}"/>
-              </a:ext>
-            </a:extLst>
-          </p:cNvPr>
-          <p:cNvPicPr>
-            <a:picLocks noGrp="1" noChangeAspect="1"/>
-          </p:cNvPicPr>
-          <p:nvPr>
-            <p:ph idx="1"/>
-          </p:nvPr>
-        </p:nvPicPr>
-        <p:blipFill>
-          <a:blip r:embed="rId2"/>
-          <a:stretch>
-            <a:fillRect/>
-          </a:stretch>
-        </p:blipFill>
-        <p:spPr>
-          <a:xfrm>
-            <a:off x="3403446" y="1291905"/>
-            <a:ext cx="5385107" cy="5162386"/>
-          </a:xfrm>
-        </p:spPr>
-      </p:pic>
-    </p:spTree>
-    <p:extLst>
-      <p:ext uri="{BB962C8B-B14F-4D97-AF65-F5344CB8AC3E}">
-        <p14:creationId xmlns:p14="http://schemas.microsoft.com/office/powerpoint/2010/main" val="1054939266"/>
-      </p:ext>
-    </p:extLst>
-  </p:cSld>
-  <p:clrMapOvr>
-    <a:masterClrMapping/>
-  </p:clrMapOvr>
+  <p:timing>
+    <p:tnLst>
+      <p:par>
+        <p:cTn id="1" dur="indefinite" restart="never" nodeType="tmRoot"/>
+      </p:par>
+    </p:tnLst>
+  </p:timing>
 </p:sld>
 </file>
 
